--- a/14030804/Exercise5.pptx
+++ b/14030804/Exercise5.pptx
@@ -4719,6 +4719,59 @@
               <a:t>نادرست</a:t>
             </a:r>
             <a:endParaRPr lang="en-US" dirty="0"/>
+          </a:p>
+        </p:txBody>
+      </p:sp>
+      <p:sp>
+        <p:nvSpPr>
+          <p:cNvPr id="3" name="Rectangle 2">
+            <a:extLst>
+              <a:ext uri="{FF2B5EF4-FFF2-40B4-BE49-F238E27FC236}">
+                <a16:creationId xmlns:a16="http://schemas.microsoft.com/office/drawing/2014/main" id="{4B8FAD2F-6987-9020-A1A2-5599F43285D3}"/>
+              </a:ext>
+            </a:extLst>
+          </p:cNvPr>
+          <p:cNvSpPr/>
+          <p:nvPr/>
+        </p:nvSpPr>
+        <p:spPr>
+          <a:xfrm>
+            <a:off x="2325772" y="9761925"/>
+            <a:ext cx="2030987" cy="724955"/>
+          </a:xfrm>
+          <a:prstGeom prst="rect">
+            <a:avLst/>
+          </a:prstGeom>
+        </p:spPr>
+        <p:style>
+          <a:lnRef idx="2">
+            <a:schemeClr val="dk1">
+              <a:shade val="15000"/>
+            </a:schemeClr>
+          </a:lnRef>
+          <a:fillRef idx="1">
+            <a:schemeClr val="dk1"/>
+          </a:fillRef>
+          <a:effectRef idx="0">
+            <a:schemeClr val="dk1"/>
+          </a:effectRef>
+          <a:fontRef idx="minor">
+            <a:schemeClr val="lt1"/>
+          </a:fontRef>
+        </p:style>
+        <p:txBody>
+          <a:bodyPr rtlCol="0" anchor="ctr"/>
+          <a:lstStyle/>
+          <a:p>
+            <a:pPr algn="ctr"/>
+            <a:r>
+              <a:rPr lang="fa-IR" dirty="0"/>
+              <a:t>نمایش </a:t>
+            </a:r>
+            <a:r>
+              <a:rPr lang="en-US" dirty="0"/>
+              <a:t>a1,a2</a:t>
+            </a:r>
           </a:p>
         </p:txBody>
       </p:sp>

--- a/14030804/Exercise5.pptx
+++ b/14030804/Exercise5.pptx
@@ -3424,8 +3424,8 @@
         </p:nvSpPr>
         <p:spPr>
           <a:xfrm>
-            <a:off x="2367377" y="55177"/>
-            <a:ext cx="2003898" cy="1182250"/>
+            <a:off x="0" y="331962"/>
+            <a:ext cx="1452880" cy="369332"/>
           </a:xfrm>
           <a:prstGeom prst="ellipse">
             <a:avLst/>
@@ -3453,10 +3453,10 @@
           <a:p>
             <a:pPr algn="ctr"/>
             <a:r>
-              <a:rPr lang="fa-IR" sz="3600" dirty="0"/>
+              <a:rPr lang="fa-IR" sz="2400" dirty="0"/>
               <a:t>شروع</a:t>
             </a:r>
-            <a:endParaRPr lang="en-US" sz="3600" dirty="0"/>
+            <a:endParaRPr lang="en-US" sz="2400" dirty="0"/>
           </a:p>
         </p:txBody>
       </p:sp>
@@ -3474,8 +3474,8 @@
         </p:nvSpPr>
         <p:spPr>
           <a:xfrm>
-            <a:off x="2367377" y="1513665"/>
-            <a:ext cx="2003898" cy="999517"/>
+            <a:off x="2482395" y="160525"/>
+            <a:ext cx="1775278" cy="757344"/>
           </a:xfrm>
           <a:prstGeom prst="rect">
             <a:avLst/>
@@ -3508,7 +3508,7 @@
             </a:r>
             <a:r>
               <a:rPr lang="fa-IR" dirty="0"/>
-              <a:t>دریافت عدد </a:t>
+              <a:t>دریافت </a:t>
             </a:r>
             <a:endParaRPr lang="en-US" dirty="0"/>
           </a:p>
@@ -3528,8 +3528,8 @@
         </p:nvSpPr>
         <p:spPr>
           <a:xfrm>
-            <a:off x="2143045" y="10707311"/>
-            <a:ext cx="2396443" cy="1357003"/>
+            <a:off x="205753" y="11477528"/>
+            <a:ext cx="1508527" cy="613247"/>
           </a:xfrm>
           <a:prstGeom prst="ellipse">
             <a:avLst/>
@@ -3575,57 +3575,15 @@
           </p:cNvPr>
           <p:cNvCxnSpPr>
             <a:cxnSpLocks/>
-            <a:stCxn id="2" idx="4"/>
-            <a:endCxn id="6" idx="0"/>
+            <a:stCxn id="2" idx="6"/>
+            <a:endCxn id="6" idx="1"/>
           </p:cNvCxnSpPr>
           <p:nvPr/>
         </p:nvCxnSpPr>
         <p:spPr>
           <a:xfrm>
-            <a:off x="3369326" y="1237427"/>
-            <a:ext cx="0" cy="276238"/>
-          </a:xfrm>
-          <a:prstGeom prst="straightConnector1">
-            <a:avLst/>
-          </a:prstGeom>
-          <a:ln>
-            <a:tailEnd type="triangle"/>
-          </a:ln>
-        </p:spPr>
-        <p:style>
-          <a:lnRef idx="2">
-            <a:schemeClr val="accent1"/>
-          </a:lnRef>
-          <a:fillRef idx="0">
-            <a:schemeClr val="accent1"/>
-          </a:fillRef>
-          <a:effectRef idx="1">
-            <a:schemeClr val="accent1"/>
-          </a:effectRef>
-          <a:fontRef idx="minor">
-            <a:schemeClr val="tx1"/>
-          </a:fontRef>
-        </p:style>
-      </p:cxnSp>
-      <p:cxnSp>
-        <p:nvCxnSpPr>
-          <p:cNvPr id="8" name="Straight Arrow Connector 7">
-            <a:extLst>
-              <a:ext uri="{FF2B5EF4-FFF2-40B4-BE49-F238E27FC236}">
-                <a16:creationId xmlns:a16="http://schemas.microsoft.com/office/drawing/2014/main" id="{B41AC0C8-D6DA-E75B-E30A-0B967CD8E175}"/>
-              </a:ext>
-            </a:extLst>
-          </p:cNvPr>
-          <p:cNvCxnSpPr>
-            <a:cxnSpLocks/>
-            <a:stCxn id="6" idx="2"/>
-          </p:cNvCxnSpPr>
-          <p:nvPr/>
-        </p:nvCxnSpPr>
-        <p:spPr>
-          <a:xfrm>
-            <a:off x="3369326" y="2513182"/>
-            <a:ext cx="0" cy="276238"/>
+            <a:off x="1452880" y="516628"/>
+            <a:ext cx="1029515" cy="22569"/>
           </a:xfrm>
           <a:prstGeom prst="straightConnector1">
             <a:avLst/>
@@ -3663,7 +3621,7 @@
         </p:nvSpPr>
         <p:spPr>
           <a:xfrm>
-            <a:off x="2300052" y="2789420"/>
+            <a:off x="2300053" y="1203961"/>
             <a:ext cx="2139962" cy="1182250"/>
           </a:xfrm>
           <a:prstGeom prst="diamond">
@@ -3712,7 +3670,7 @@
         </p:nvSpPr>
         <p:spPr>
           <a:xfrm>
-            <a:off x="1256738" y="3011213"/>
+            <a:off x="1256739" y="1425754"/>
             <a:ext cx="662361" cy="369332"/>
           </a:xfrm>
           <a:prstGeom prst="rect">
@@ -3748,8 +3706,8 @@
         </p:nvSpPr>
         <p:spPr>
           <a:xfrm>
-            <a:off x="205338" y="11096252"/>
-            <a:ext cx="1452880" cy="579120"/>
+            <a:off x="308749" y="10654089"/>
+            <a:ext cx="1302536" cy="579120"/>
           </a:xfrm>
           <a:prstGeom prst="flowChartDocument">
             <a:avLst/>
@@ -3802,7 +3760,7 @@
         </p:nvSpPr>
         <p:spPr>
           <a:xfrm>
-            <a:off x="5201920" y="3040245"/>
+            <a:off x="5201921" y="1454786"/>
             <a:ext cx="1473200" cy="709632"/>
           </a:xfrm>
           <a:prstGeom prst="rect">
@@ -3854,7 +3812,7 @@
         </p:nvCxnSpPr>
         <p:spPr>
           <a:xfrm>
-            <a:off x="4440014" y="3380545"/>
+            <a:off x="4440015" y="1795086"/>
             <a:ext cx="761906" cy="14516"/>
           </a:xfrm>
           <a:prstGeom prst="straightConnector1">
@@ -3893,8 +3851,8 @@
         </p:nvSpPr>
         <p:spPr>
           <a:xfrm>
-            <a:off x="4403938" y="4316267"/>
-            <a:ext cx="1473200" cy="955040"/>
+            <a:off x="4211395" y="2730808"/>
+            <a:ext cx="1665744" cy="955040"/>
           </a:xfrm>
           <a:prstGeom prst="diamond">
             <a:avLst/>
@@ -3923,7 +3881,7 @@
             <a:pPr algn="ctr"/>
             <a:r>
               <a:rPr lang="en-US" dirty="0"/>
-              <a:t>a3=n</a:t>
+              <a:t>a3==n</a:t>
             </a:r>
           </a:p>
         </p:txBody>
@@ -3942,7 +3900,7 @@
         </p:nvSpPr>
         <p:spPr>
           <a:xfrm>
-            <a:off x="4405248" y="3025729"/>
+            <a:off x="4405249" y="1440270"/>
             <a:ext cx="771365" cy="369332"/>
           </a:xfrm>
           <a:prstGeom prst="rect">
@@ -3974,15 +3932,16 @@
             </a:extLst>
           </p:cNvPr>
           <p:cNvCxnSpPr>
-            <a:stCxn id="31" idx="3"/>
-            <a:endCxn id="23" idx="2"/>
+            <a:cxnSpLocks/>
+            <a:stCxn id="31" idx="2"/>
+            <a:endCxn id="23" idx="0"/>
           </p:cNvCxnSpPr>
           <p:nvPr/>
         </p:nvCxnSpPr>
         <p:spPr>
           <a:xfrm>
-            <a:off x="1658218" y="11385812"/>
-            <a:ext cx="484827" cy="1"/>
+            <a:off x="960017" y="11194923"/>
+            <a:ext cx="0" cy="282605"/>
           </a:xfrm>
           <a:prstGeom prst="straightConnector1">
             <a:avLst/>
@@ -4024,8 +3983,8 @@
         </p:nvCxnSpPr>
         <p:spPr>
           <a:xfrm rot="10800000" flipV="1">
-            <a:off x="931778" y="3380544"/>
-            <a:ext cx="1368274" cy="7715707"/>
+            <a:off x="960017" y="1795085"/>
+            <a:ext cx="1340036" cy="8859003"/>
           </a:xfrm>
           <a:prstGeom prst="bentConnector2">
             <a:avLst/>
@@ -4063,7 +4022,7 @@
         </p:nvSpPr>
         <p:spPr>
           <a:xfrm>
-            <a:off x="3217761" y="4341413"/>
+            <a:off x="3097819" y="2755657"/>
             <a:ext cx="662361" cy="369332"/>
           </a:xfrm>
           <a:prstGeom prst="rect">
@@ -4099,7 +4058,7 @@
         </p:nvSpPr>
         <p:spPr>
           <a:xfrm>
-            <a:off x="3844373" y="5407423"/>
+            <a:off x="3651572" y="3487062"/>
             <a:ext cx="771365" cy="369332"/>
           </a:xfrm>
           <a:prstGeom prst="rect">
@@ -4135,7 +4094,7 @@
         </p:nvSpPr>
         <p:spPr>
           <a:xfrm>
-            <a:off x="2665507" y="6011396"/>
+            <a:off x="2702869" y="4288685"/>
             <a:ext cx="1508526" cy="809389"/>
           </a:xfrm>
           <a:prstGeom prst="diamond">
@@ -4172,42 +4131,6 @@
       </p:sp>
       <p:sp>
         <p:nvSpPr>
-          <p:cNvPr id="90" name="TextBox 89">
-            <a:extLst>
-              <a:ext uri="{FF2B5EF4-FFF2-40B4-BE49-F238E27FC236}">
-                <a16:creationId xmlns:a16="http://schemas.microsoft.com/office/drawing/2014/main" id="{86630BAE-F0B8-BF64-96F6-693964D8C3BB}"/>
-              </a:ext>
-            </a:extLst>
-          </p:cNvPr>
-          <p:cNvSpPr txBox="1"/>
-          <p:nvPr/>
-        </p:nvSpPr>
-        <p:spPr>
-          <a:xfrm>
-            <a:off x="3449435" y="7727016"/>
-            <a:ext cx="662361" cy="369332"/>
-          </a:xfrm>
-          <a:prstGeom prst="rect">
-            <a:avLst/>
-          </a:prstGeom>
-          <a:noFill/>
-        </p:spPr>
-        <p:txBody>
-          <a:bodyPr wrap="none" rtlCol="0">
-            <a:spAutoFit/>
-          </a:bodyPr>
-          <a:lstStyle/>
-          <a:p>
-            <a:r>
-              <a:rPr lang="fa-IR" dirty="0"/>
-              <a:t>درست</a:t>
-            </a:r>
-            <a:endParaRPr lang="en-US" dirty="0"/>
-          </a:p>
-        </p:txBody>
-      </p:sp>
-      <p:sp>
-        <p:nvSpPr>
           <p:cNvPr id="97" name="Rectangle 96">
             <a:extLst>
               <a:ext uri="{FF2B5EF4-FFF2-40B4-BE49-F238E27FC236}">
@@ -4220,8 +4143,8 @@
         </p:nvSpPr>
         <p:spPr>
           <a:xfrm>
-            <a:off x="4615738" y="5988812"/>
-            <a:ext cx="1780278" cy="831973"/>
+            <a:off x="5509626" y="3647055"/>
+            <a:ext cx="1122673" cy="831973"/>
           </a:xfrm>
           <a:prstGeom prst="rect">
             <a:avLst/>
@@ -4255,12 +4178,263 @@
           </a:p>
         </p:txBody>
       </p:sp>
-      <p:sp>
-        <p:nvSpPr>
-          <p:cNvPr id="9" name="Rectangle 8">
+      <p:cxnSp>
+        <p:nvCxnSpPr>
+          <p:cNvPr id="19" name="Straight Arrow Connector 18">
             <a:extLst>
               <a:ext uri="{FF2B5EF4-FFF2-40B4-BE49-F238E27FC236}">
-                <a16:creationId xmlns:a16="http://schemas.microsoft.com/office/drawing/2014/main" id="{40CB5AC2-0BD3-6642-F686-37BB10AD0900}"/>
+                <a16:creationId xmlns:a16="http://schemas.microsoft.com/office/drawing/2014/main" id="{DAAD6717-2F8C-90B6-9909-74A936FBAD7D}"/>
+              </a:ext>
+            </a:extLst>
+          </p:cNvPr>
+          <p:cNvCxnSpPr>
+            <a:cxnSpLocks/>
+            <a:stCxn id="37" idx="1"/>
+          </p:cNvCxnSpPr>
+          <p:nvPr/>
+        </p:nvCxnSpPr>
+        <p:spPr>
+          <a:xfrm flipH="1" flipV="1">
+            <a:off x="931778" y="3194208"/>
+            <a:ext cx="3279617" cy="14120"/>
+          </a:xfrm>
+          <a:prstGeom prst="straightConnector1">
+            <a:avLst/>
+          </a:prstGeom>
+          <a:ln>
+            <a:tailEnd type="triangle"/>
+          </a:ln>
+        </p:spPr>
+        <p:style>
+          <a:lnRef idx="2">
+            <a:schemeClr val="accent1"/>
+          </a:lnRef>
+          <a:fillRef idx="0">
+            <a:schemeClr val="accent1"/>
+          </a:fillRef>
+          <a:effectRef idx="1">
+            <a:schemeClr val="accent1"/>
+          </a:effectRef>
+          <a:fontRef idx="minor">
+            <a:schemeClr val="tx1"/>
+          </a:fontRef>
+        </p:style>
+      </p:cxnSp>
+      <p:cxnSp>
+        <p:nvCxnSpPr>
+          <p:cNvPr id="21" name="Connector: Elbow 20">
+            <a:extLst>
+              <a:ext uri="{FF2B5EF4-FFF2-40B4-BE49-F238E27FC236}">
+                <a16:creationId xmlns:a16="http://schemas.microsoft.com/office/drawing/2014/main" id="{E36D54C0-6666-D072-D617-280877233947}"/>
+              </a:ext>
+            </a:extLst>
+          </p:cNvPr>
+          <p:cNvCxnSpPr>
+            <a:cxnSpLocks/>
+            <a:stCxn id="34" idx="2"/>
+            <a:endCxn id="37" idx="0"/>
+          </p:cNvCxnSpPr>
+          <p:nvPr/>
+        </p:nvCxnSpPr>
+        <p:spPr>
+          <a:xfrm rot="5400000">
+            <a:off x="5208199" y="2000486"/>
+            <a:ext cx="566390" cy="894254"/>
+          </a:xfrm>
+          <a:prstGeom prst="bentConnector3">
+            <a:avLst/>
+          </a:prstGeom>
+          <a:ln>
+            <a:tailEnd type="triangle"/>
+          </a:ln>
+        </p:spPr>
+        <p:style>
+          <a:lnRef idx="2">
+            <a:schemeClr val="accent1"/>
+          </a:lnRef>
+          <a:fillRef idx="0">
+            <a:schemeClr val="accent1"/>
+          </a:fillRef>
+          <a:effectRef idx="1">
+            <a:schemeClr val="accent1"/>
+          </a:effectRef>
+          <a:fontRef idx="minor">
+            <a:schemeClr val="tx1"/>
+          </a:fontRef>
+        </p:style>
+      </p:cxnSp>
+      <p:cxnSp>
+        <p:nvCxnSpPr>
+          <p:cNvPr id="25" name="Connector: Elbow 24">
+            <a:extLst>
+              <a:ext uri="{FF2B5EF4-FFF2-40B4-BE49-F238E27FC236}">
+                <a16:creationId xmlns:a16="http://schemas.microsoft.com/office/drawing/2014/main" id="{197273FF-3328-9EFD-4FDA-60D6401BAF63}"/>
+              </a:ext>
+            </a:extLst>
+          </p:cNvPr>
+          <p:cNvCxnSpPr>
+            <a:cxnSpLocks/>
+            <a:stCxn id="97" idx="3"/>
+            <a:endCxn id="34" idx="3"/>
+          </p:cNvCxnSpPr>
+          <p:nvPr/>
+        </p:nvCxnSpPr>
+        <p:spPr>
+          <a:xfrm flipV="1">
+            <a:off x="6632299" y="1809602"/>
+            <a:ext cx="42822" cy="2253440"/>
+          </a:xfrm>
+          <a:prstGeom prst="bentConnector3">
+            <a:avLst>
+              <a:gd name="adj1" fmla="val 349124"/>
+            </a:avLst>
+          </a:prstGeom>
+          <a:ln>
+            <a:tailEnd type="triangle"/>
+          </a:ln>
+        </p:spPr>
+        <p:style>
+          <a:lnRef idx="2">
+            <a:schemeClr val="accent1"/>
+          </a:lnRef>
+          <a:fillRef idx="0">
+            <a:schemeClr val="accent1"/>
+          </a:fillRef>
+          <a:effectRef idx="1">
+            <a:schemeClr val="accent1"/>
+          </a:effectRef>
+          <a:fontRef idx="minor">
+            <a:schemeClr val="tx1"/>
+          </a:fontRef>
+        </p:style>
+      </p:cxnSp>
+      <p:cxnSp>
+        <p:nvCxnSpPr>
+          <p:cNvPr id="35" name="Connector: Elbow 34">
+            <a:extLst>
+              <a:ext uri="{FF2B5EF4-FFF2-40B4-BE49-F238E27FC236}">
+                <a16:creationId xmlns:a16="http://schemas.microsoft.com/office/drawing/2014/main" id="{DCE50553-4FD5-AD8F-5AC6-EAEBD003D0E4}"/>
+              </a:ext>
+            </a:extLst>
+          </p:cNvPr>
+          <p:cNvCxnSpPr>
+            <a:cxnSpLocks/>
+            <a:stCxn id="37" idx="2"/>
+            <a:endCxn id="75" idx="0"/>
+          </p:cNvCxnSpPr>
+          <p:nvPr/>
+        </p:nvCxnSpPr>
+        <p:spPr>
+          <a:xfrm rot="5400000">
+            <a:off x="3949282" y="3193699"/>
+            <a:ext cx="602837" cy="1587135"/>
+          </a:xfrm>
+          <a:prstGeom prst="bentConnector3">
+            <a:avLst>
+              <a:gd name="adj1" fmla="val 50000"/>
+            </a:avLst>
+          </a:prstGeom>
+        </p:spPr>
+        <p:style>
+          <a:lnRef idx="2">
+            <a:schemeClr val="accent1"/>
+          </a:lnRef>
+          <a:fillRef idx="0">
+            <a:schemeClr val="accent1"/>
+          </a:fillRef>
+          <a:effectRef idx="1">
+            <a:schemeClr val="accent1"/>
+          </a:effectRef>
+          <a:fontRef idx="minor">
+            <a:schemeClr val="tx1"/>
+          </a:fontRef>
+        </p:style>
+      </p:cxnSp>
+      <p:sp>
+        <p:nvSpPr>
+          <p:cNvPr id="42" name="TextBox 41">
+            <a:extLst>
+              <a:ext uri="{FF2B5EF4-FFF2-40B4-BE49-F238E27FC236}">
+                <a16:creationId xmlns:a16="http://schemas.microsoft.com/office/drawing/2014/main" id="{C7F3F430-5DB7-4C08-7C38-1B952A350477}"/>
+              </a:ext>
+            </a:extLst>
+          </p:cNvPr>
+          <p:cNvSpPr txBox="1"/>
+          <p:nvPr/>
+        </p:nvSpPr>
+        <p:spPr>
+          <a:xfrm>
+            <a:off x="3905101" y="4294362"/>
+            <a:ext cx="771365" cy="369332"/>
+          </a:xfrm>
+          <a:prstGeom prst="rect">
+            <a:avLst/>
+          </a:prstGeom>
+          <a:noFill/>
+        </p:spPr>
+        <p:txBody>
+          <a:bodyPr wrap="none" rtlCol="0">
+            <a:spAutoFit/>
+          </a:bodyPr>
+          <a:lstStyle/>
+          <a:p>
+            <a:r>
+              <a:rPr lang="fa-IR" dirty="0"/>
+              <a:t>نادرست</a:t>
+            </a:r>
+            <a:endParaRPr lang="en-US" dirty="0"/>
+          </a:p>
+        </p:txBody>
+      </p:sp>
+      <p:cxnSp>
+        <p:nvCxnSpPr>
+          <p:cNvPr id="55" name="Straight Arrow Connector 54">
+            <a:extLst>
+              <a:ext uri="{FF2B5EF4-FFF2-40B4-BE49-F238E27FC236}">
+                <a16:creationId xmlns:a16="http://schemas.microsoft.com/office/drawing/2014/main" id="{88B36C22-4D17-559F-778F-A809EBE9E38E}"/>
+              </a:ext>
+            </a:extLst>
+          </p:cNvPr>
+          <p:cNvCxnSpPr>
+            <a:cxnSpLocks/>
+            <a:stCxn id="6" idx="2"/>
+            <a:endCxn id="15" idx="0"/>
+          </p:cNvCxnSpPr>
+          <p:nvPr/>
+        </p:nvCxnSpPr>
+        <p:spPr>
+          <a:xfrm>
+            <a:off x="3370034" y="917869"/>
+            <a:ext cx="0" cy="286092"/>
+          </a:xfrm>
+          <a:prstGeom prst="straightConnector1">
+            <a:avLst/>
+          </a:prstGeom>
+          <a:ln>
+            <a:tailEnd type="triangle"/>
+          </a:ln>
+        </p:spPr>
+        <p:style>
+          <a:lnRef idx="2">
+            <a:schemeClr val="accent1"/>
+          </a:lnRef>
+          <a:fillRef idx="0">
+            <a:schemeClr val="accent1"/>
+          </a:fillRef>
+          <a:effectRef idx="1">
+            <a:schemeClr val="accent1"/>
+          </a:effectRef>
+          <a:fontRef idx="minor">
+            <a:schemeClr val="tx1"/>
+          </a:fontRef>
+        </p:style>
+      </p:cxnSp>
+      <p:sp>
+        <p:nvSpPr>
+          <p:cNvPr id="64" name="Rectangle 63">
+            <a:extLst>
+              <a:ext uri="{FF2B5EF4-FFF2-40B4-BE49-F238E27FC236}">
+                <a16:creationId xmlns:a16="http://schemas.microsoft.com/office/drawing/2014/main" id="{20A93B2F-7976-EC22-2742-C75A8AC5018A}"/>
               </a:ext>
             </a:extLst>
           </p:cNvPr>
@@ -4269,8 +4443,8 @@
         </p:nvSpPr>
         <p:spPr>
           <a:xfrm>
-            <a:off x="5171960" y="8526350"/>
-            <a:ext cx="1503160" cy="734334"/>
+            <a:off x="1377872" y="4209761"/>
+            <a:ext cx="1096742" cy="550880"/>
           </a:xfrm>
           <a:prstGeom prst="rect">
             <a:avLst/>
@@ -4299,17 +4473,24 @@
             <a:pPr algn="ctr"/>
             <a:r>
               <a:rPr lang="en-US" dirty="0"/>
-              <a:t>n-a2=z</a:t>
-            </a:r>
-          </a:p>
-        </p:txBody>
-      </p:sp>
-      <p:sp>
-        <p:nvSpPr>
-          <p:cNvPr id="12" name="Rectangle 11">
+              <a:t>na1=a1</a:t>
+            </a:r>
+          </a:p>
+          <a:p>
+            <a:pPr algn="ctr"/>
+            <a:r>
+              <a:rPr lang="en-US" dirty="0"/>
+              <a:t>L1=a1</a:t>
+            </a:r>
+          </a:p>
+        </p:txBody>
+      </p:sp>
+      <p:sp>
+        <p:nvSpPr>
+          <p:cNvPr id="65" name="Rectangle 64">
             <a:extLst>
               <a:ext uri="{FF2B5EF4-FFF2-40B4-BE49-F238E27FC236}">
-                <a16:creationId xmlns:a16="http://schemas.microsoft.com/office/drawing/2014/main" id="{7E140009-17D0-4234-A095-0D642227559B}"/>
+                <a16:creationId xmlns:a16="http://schemas.microsoft.com/office/drawing/2014/main" id="{49D1889B-06E1-DAD2-984A-87C1115D25A0}"/>
               </a:ext>
             </a:extLst>
           </p:cNvPr>
@@ -4318,8 +4499,8 @@
         </p:nvSpPr>
         <p:spPr>
           <a:xfrm>
-            <a:off x="5171960" y="9701514"/>
-            <a:ext cx="1503160" cy="734334"/>
+            <a:off x="1377872" y="5016630"/>
+            <a:ext cx="1096742" cy="550880"/>
           </a:xfrm>
           <a:prstGeom prst="rect">
             <a:avLst/>
@@ -4348,386 +4529,24 @@
             <a:pPr algn="ctr"/>
             <a:r>
               <a:rPr lang="en-US" dirty="0"/>
-              <a:t>a1=z</a:t>
-            </a:r>
-          </a:p>
-        </p:txBody>
-      </p:sp>
-      <p:cxnSp>
-        <p:nvCxnSpPr>
-          <p:cNvPr id="14" name="Straight Arrow Connector 13">
+              <a:t>na1++</a:t>
+            </a:r>
+          </a:p>
+          <a:p>
+            <a:pPr algn="ctr"/>
+            <a:r>
+              <a:rPr lang="en-US" dirty="0"/>
+              <a:t>L1=na1</a:t>
+            </a:r>
+          </a:p>
+        </p:txBody>
+      </p:sp>
+      <p:sp>
+        <p:nvSpPr>
+          <p:cNvPr id="69" name="Rectangle 68">
             <a:extLst>
               <a:ext uri="{FF2B5EF4-FFF2-40B4-BE49-F238E27FC236}">
-                <a16:creationId xmlns:a16="http://schemas.microsoft.com/office/drawing/2014/main" id="{AD3CC04B-E4A9-CC74-AD8A-D10078BFA7DF}"/>
-              </a:ext>
-            </a:extLst>
-          </p:cNvPr>
-          <p:cNvCxnSpPr>
-            <a:stCxn id="9" idx="2"/>
-            <a:endCxn id="12" idx="0"/>
-          </p:cNvCxnSpPr>
-          <p:nvPr/>
-        </p:nvCxnSpPr>
-        <p:spPr>
-          <a:xfrm>
-            <a:off x="5923540" y="9260684"/>
-            <a:ext cx="0" cy="440830"/>
-          </a:xfrm>
-          <a:prstGeom prst="straightConnector1">
-            <a:avLst/>
-          </a:prstGeom>
-          <a:ln>
-            <a:tailEnd type="triangle"/>
-          </a:ln>
-        </p:spPr>
-        <p:style>
-          <a:lnRef idx="2">
-            <a:schemeClr val="accent1"/>
-          </a:lnRef>
-          <a:fillRef idx="0">
-            <a:schemeClr val="accent1"/>
-          </a:fillRef>
-          <a:effectRef idx="1">
-            <a:schemeClr val="accent1"/>
-          </a:effectRef>
-          <a:fontRef idx="minor">
-            <a:schemeClr val="tx1"/>
-          </a:fontRef>
-        </p:style>
-      </p:cxnSp>
-      <p:cxnSp>
-        <p:nvCxnSpPr>
-          <p:cNvPr id="19" name="Straight Arrow Connector 18">
-            <a:extLst>
-              <a:ext uri="{FF2B5EF4-FFF2-40B4-BE49-F238E27FC236}">
-                <a16:creationId xmlns:a16="http://schemas.microsoft.com/office/drawing/2014/main" id="{DAAD6717-2F8C-90B6-9909-74A936FBAD7D}"/>
-              </a:ext>
-            </a:extLst>
-          </p:cNvPr>
-          <p:cNvCxnSpPr>
-            <a:cxnSpLocks/>
-            <a:stCxn id="37" idx="1"/>
-          </p:cNvCxnSpPr>
-          <p:nvPr/>
-        </p:nvCxnSpPr>
-        <p:spPr>
-          <a:xfrm flipH="1" flipV="1">
-            <a:off x="931777" y="4779667"/>
-            <a:ext cx="3472161" cy="14120"/>
-          </a:xfrm>
-          <a:prstGeom prst="straightConnector1">
-            <a:avLst/>
-          </a:prstGeom>
-          <a:ln>
-            <a:tailEnd type="triangle"/>
-          </a:ln>
-        </p:spPr>
-        <p:style>
-          <a:lnRef idx="2">
-            <a:schemeClr val="accent1"/>
-          </a:lnRef>
-          <a:fillRef idx="0">
-            <a:schemeClr val="accent1"/>
-          </a:fillRef>
-          <a:effectRef idx="1">
-            <a:schemeClr val="accent1"/>
-          </a:effectRef>
-          <a:fontRef idx="minor">
-            <a:schemeClr val="tx1"/>
-          </a:fontRef>
-        </p:style>
-      </p:cxnSp>
-      <p:cxnSp>
-        <p:nvCxnSpPr>
-          <p:cNvPr id="22" name="Straight Arrow Connector 21">
-            <a:extLst>
-              <a:ext uri="{FF2B5EF4-FFF2-40B4-BE49-F238E27FC236}">
-                <a16:creationId xmlns:a16="http://schemas.microsoft.com/office/drawing/2014/main" id="{6E0B6754-B5FE-0569-CC17-B8727A1888B5}"/>
-              </a:ext>
-            </a:extLst>
-          </p:cNvPr>
-          <p:cNvCxnSpPr>
-            <a:stCxn id="12" idx="1"/>
-          </p:cNvCxnSpPr>
-          <p:nvPr/>
-        </p:nvCxnSpPr>
-        <p:spPr>
-          <a:xfrm flipH="1">
-            <a:off x="922946" y="10068681"/>
-            <a:ext cx="4249014" cy="0"/>
-          </a:xfrm>
-          <a:prstGeom prst="straightConnector1">
-            <a:avLst/>
-          </a:prstGeom>
-          <a:ln>
-            <a:tailEnd type="triangle"/>
-          </a:ln>
-        </p:spPr>
-        <p:style>
-          <a:lnRef idx="2">
-            <a:schemeClr val="accent1"/>
-          </a:lnRef>
-          <a:fillRef idx="0">
-            <a:schemeClr val="accent1"/>
-          </a:fillRef>
-          <a:effectRef idx="1">
-            <a:schemeClr val="accent1"/>
-          </a:effectRef>
-          <a:fontRef idx="minor">
-            <a:schemeClr val="tx1"/>
-          </a:fontRef>
-        </p:style>
-      </p:cxnSp>
-      <p:cxnSp>
-        <p:nvCxnSpPr>
-          <p:cNvPr id="21" name="Connector: Elbow 20">
-            <a:extLst>
-              <a:ext uri="{FF2B5EF4-FFF2-40B4-BE49-F238E27FC236}">
-                <a16:creationId xmlns:a16="http://schemas.microsoft.com/office/drawing/2014/main" id="{E36D54C0-6666-D072-D617-280877233947}"/>
-              </a:ext>
-            </a:extLst>
-          </p:cNvPr>
-          <p:cNvCxnSpPr>
-            <a:stCxn id="34" idx="2"/>
-            <a:endCxn id="37" idx="0"/>
-          </p:cNvCxnSpPr>
-          <p:nvPr/>
-        </p:nvCxnSpPr>
-        <p:spPr>
-          <a:xfrm rot="5400000">
-            <a:off x="5256334" y="3634081"/>
-            <a:ext cx="566390" cy="797982"/>
-          </a:xfrm>
-          <a:prstGeom prst="bentConnector3">
-            <a:avLst/>
-          </a:prstGeom>
-          <a:ln>
-            <a:tailEnd type="triangle"/>
-          </a:ln>
-        </p:spPr>
-        <p:style>
-          <a:lnRef idx="2">
-            <a:schemeClr val="accent1"/>
-          </a:lnRef>
-          <a:fillRef idx="0">
-            <a:schemeClr val="accent1"/>
-          </a:fillRef>
-          <a:effectRef idx="1">
-            <a:schemeClr val="accent1"/>
-          </a:effectRef>
-          <a:fontRef idx="minor">
-            <a:schemeClr val="tx1"/>
-          </a:fontRef>
-        </p:style>
-      </p:cxnSp>
-      <p:cxnSp>
-        <p:nvCxnSpPr>
-          <p:cNvPr id="25" name="Connector: Elbow 24">
-            <a:extLst>
-              <a:ext uri="{FF2B5EF4-FFF2-40B4-BE49-F238E27FC236}">
-                <a16:creationId xmlns:a16="http://schemas.microsoft.com/office/drawing/2014/main" id="{197273FF-3328-9EFD-4FDA-60D6401BAF63}"/>
-              </a:ext>
-            </a:extLst>
-          </p:cNvPr>
-          <p:cNvCxnSpPr>
-            <a:stCxn id="97" idx="3"/>
-            <a:endCxn id="34" idx="3"/>
-          </p:cNvCxnSpPr>
-          <p:nvPr/>
-        </p:nvCxnSpPr>
-        <p:spPr>
-          <a:xfrm flipV="1">
-            <a:off x="6396016" y="3395061"/>
-            <a:ext cx="279104" cy="3009738"/>
-          </a:xfrm>
-          <a:prstGeom prst="bentConnector3">
-            <a:avLst>
-              <a:gd name="adj1" fmla="val 144581"/>
-            </a:avLst>
-          </a:prstGeom>
-          <a:ln>
-            <a:tailEnd type="triangle"/>
-          </a:ln>
-        </p:spPr>
-        <p:style>
-          <a:lnRef idx="2">
-            <a:schemeClr val="accent1"/>
-          </a:lnRef>
-          <a:fillRef idx="0">
-            <a:schemeClr val="accent1"/>
-          </a:fillRef>
-          <a:effectRef idx="1">
-            <a:schemeClr val="accent1"/>
-          </a:effectRef>
-          <a:fontRef idx="minor">
-            <a:schemeClr val="tx1"/>
-          </a:fontRef>
-        </p:style>
-      </p:cxnSp>
-      <p:cxnSp>
-        <p:nvCxnSpPr>
-          <p:cNvPr id="28" name="Straight Arrow Connector 27">
-            <a:extLst>
-              <a:ext uri="{FF2B5EF4-FFF2-40B4-BE49-F238E27FC236}">
-                <a16:creationId xmlns:a16="http://schemas.microsoft.com/office/drawing/2014/main" id="{FC57A72B-47B9-E8A7-6B38-4FDA133256B8}"/>
-              </a:ext>
-            </a:extLst>
-          </p:cNvPr>
-          <p:cNvCxnSpPr>
-            <a:stCxn id="75" idx="3"/>
-            <a:endCxn id="97" idx="1"/>
-          </p:cNvCxnSpPr>
-          <p:nvPr/>
-        </p:nvCxnSpPr>
-        <p:spPr>
-          <a:xfrm flipV="1">
-            <a:off x="4174033" y="6404799"/>
-            <a:ext cx="441705" cy="11292"/>
-          </a:xfrm>
-          <a:prstGeom prst="straightConnector1">
-            <a:avLst/>
-          </a:prstGeom>
-          <a:ln>
-            <a:tailEnd type="triangle"/>
-          </a:ln>
-        </p:spPr>
-        <p:style>
-          <a:lnRef idx="2">
-            <a:schemeClr val="accent1"/>
-          </a:lnRef>
-          <a:fillRef idx="0">
-            <a:schemeClr val="accent1"/>
-          </a:fillRef>
-          <a:effectRef idx="1">
-            <a:schemeClr val="accent1"/>
-          </a:effectRef>
-          <a:fontRef idx="minor">
-            <a:schemeClr val="tx1"/>
-          </a:fontRef>
-        </p:style>
-      </p:cxnSp>
-      <p:cxnSp>
-        <p:nvCxnSpPr>
-          <p:cNvPr id="35" name="Connector: Elbow 34">
-            <a:extLst>
-              <a:ext uri="{FF2B5EF4-FFF2-40B4-BE49-F238E27FC236}">
-                <a16:creationId xmlns:a16="http://schemas.microsoft.com/office/drawing/2014/main" id="{DCE50553-4FD5-AD8F-5AC6-EAEBD003D0E4}"/>
-              </a:ext>
-            </a:extLst>
-          </p:cNvPr>
-          <p:cNvCxnSpPr>
-            <a:endCxn id="75" idx="0"/>
-          </p:cNvCxnSpPr>
-          <p:nvPr/>
-        </p:nvCxnSpPr>
-        <p:spPr>
-          <a:xfrm rot="10800000" flipV="1">
-            <a:off x="3419770" y="5271306"/>
-            <a:ext cx="1720768" cy="740089"/>
-          </a:xfrm>
-          <a:prstGeom prst="bentConnector2">
-            <a:avLst/>
-          </a:prstGeom>
-        </p:spPr>
-        <p:style>
-          <a:lnRef idx="2">
-            <a:schemeClr val="accent1"/>
-          </a:lnRef>
-          <a:fillRef idx="0">
-            <a:schemeClr val="accent1"/>
-          </a:fillRef>
-          <a:effectRef idx="1">
-            <a:schemeClr val="accent1"/>
-          </a:effectRef>
-          <a:fontRef idx="minor">
-            <a:schemeClr val="tx1"/>
-          </a:fontRef>
-        </p:style>
-      </p:cxnSp>
-      <p:cxnSp>
-        <p:nvCxnSpPr>
-          <p:cNvPr id="39" name="Connector: Elbow 38">
-            <a:extLst>
-              <a:ext uri="{FF2B5EF4-FFF2-40B4-BE49-F238E27FC236}">
-                <a16:creationId xmlns:a16="http://schemas.microsoft.com/office/drawing/2014/main" id="{8B60C584-7180-447D-9295-FDEB53C8B871}"/>
-              </a:ext>
-            </a:extLst>
-          </p:cNvPr>
-          <p:cNvCxnSpPr>
-            <a:stCxn id="75" idx="2"/>
-            <a:endCxn id="9" idx="1"/>
-          </p:cNvCxnSpPr>
-          <p:nvPr/>
-        </p:nvCxnSpPr>
-        <p:spPr>
-          <a:xfrm rot="16200000" flipH="1">
-            <a:off x="3259499" y="6981056"/>
-            <a:ext cx="2072732" cy="1752190"/>
-          </a:xfrm>
-          <a:prstGeom prst="bentConnector2">
-            <a:avLst/>
-          </a:prstGeom>
-          <a:ln>
-            <a:tailEnd type="triangle"/>
-          </a:ln>
-        </p:spPr>
-        <p:style>
-          <a:lnRef idx="2">
-            <a:schemeClr val="accent1"/>
-          </a:lnRef>
-          <a:fillRef idx="0">
-            <a:schemeClr val="accent1"/>
-          </a:fillRef>
-          <a:effectRef idx="1">
-            <a:schemeClr val="accent1"/>
-          </a:effectRef>
-          <a:fontRef idx="minor">
-            <a:schemeClr val="tx1"/>
-          </a:fontRef>
-        </p:style>
-      </p:cxnSp>
-      <p:sp>
-        <p:nvSpPr>
-          <p:cNvPr id="42" name="TextBox 41">
-            <a:extLst>
-              <a:ext uri="{FF2B5EF4-FFF2-40B4-BE49-F238E27FC236}">
-                <a16:creationId xmlns:a16="http://schemas.microsoft.com/office/drawing/2014/main" id="{C7F3F430-5DB7-4C08-7C38-1B952A350477}"/>
-              </a:ext>
-            </a:extLst>
-          </p:cNvPr>
-          <p:cNvSpPr txBox="1"/>
-          <p:nvPr/>
-        </p:nvSpPr>
-        <p:spPr>
-          <a:xfrm>
-            <a:off x="3880122" y="6034280"/>
-            <a:ext cx="771365" cy="369332"/>
-          </a:xfrm>
-          <a:prstGeom prst="rect">
-            <a:avLst/>
-          </a:prstGeom>
-          <a:noFill/>
-        </p:spPr>
-        <p:txBody>
-          <a:bodyPr wrap="none" rtlCol="0">
-            <a:spAutoFit/>
-          </a:bodyPr>
-          <a:lstStyle/>
-          <a:p>
-            <a:r>
-              <a:rPr lang="fa-IR" dirty="0"/>
-              <a:t>نادرست</a:t>
-            </a:r>
-            <a:endParaRPr lang="en-US" dirty="0"/>
-          </a:p>
-        </p:txBody>
-      </p:sp>
-      <p:sp>
-        <p:nvSpPr>
-          <p:cNvPr id="3" name="Rectangle 2">
-            <a:extLst>
-              <a:ext uri="{FF2B5EF4-FFF2-40B4-BE49-F238E27FC236}">
-                <a16:creationId xmlns:a16="http://schemas.microsoft.com/office/drawing/2014/main" id="{4B8FAD2F-6987-9020-A1A2-5599F43285D3}"/>
+                <a16:creationId xmlns:a16="http://schemas.microsoft.com/office/drawing/2014/main" id="{B921D321-013A-C033-E1A7-49E873FD9FEA}"/>
               </a:ext>
             </a:extLst>
           </p:cNvPr>
@@ -4736,8 +4555,8 @@
         </p:nvSpPr>
         <p:spPr>
           <a:xfrm>
-            <a:off x="2325772" y="9761925"/>
-            <a:ext cx="2030987" cy="724955"/>
+            <a:off x="1411485" y="5854433"/>
+            <a:ext cx="1096742" cy="550880"/>
           </a:xfrm>
           <a:prstGeom prst="rect">
             <a:avLst/>
@@ -4765,16 +4584,2081 @@
           <a:p>
             <a:pPr algn="ctr"/>
             <a:r>
+              <a:rPr lang="en-US" dirty="0"/>
+              <a:t>a3=L1+a2</a:t>
+            </a:r>
+          </a:p>
+        </p:txBody>
+      </p:sp>
+      <p:sp>
+        <p:nvSpPr>
+          <p:cNvPr id="70" name="Diamond 69">
+            <a:extLst>
+              <a:ext uri="{FF2B5EF4-FFF2-40B4-BE49-F238E27FC236}">
+                <a16:creationId xmlns:a16="http://schemas.microsoft.com/office/drawing/2014/main" id="{0F86C3EB-66DA-92EC-983F-7050BCD37062}"/>
+              </a:ext>
+            </a:extLst>
+          </p:cNvPr>
+          <p:cNvSpPr/>
+          <p:nvPr/>
+        </p:nvSpPr>
+        <p:spPr>
+          <a:xfrm>
+            <a:off x="1311595" y="6627196"/>
+            <a:ext cx="1284971" cy="599127"/>
+          </a:xfrm>
+          <a:prstGeom prst="diamond">
+            <a:avLst/>
+          </a:prstGeom>
+        </p:spPr>
+        <p:style>
+          <a:lnRef idx="2">
+            <a:schemeClr val="dk1">
+              <a:shade val="15000"/>
+            </a:schemeClr>
+          </a:lnRef>
+          <a:fillRef idx="1">
+            <a:schemeClr val="dk1"/>
+          </a:fillRef>
+          <a:effectRef idx="0">
+            <a:schemeClr val="dk1"/>
+          </a:effectRef>
+          <a:fontRef idx="minor">
+            <a:schemeClr val="lt1"/>
+          </a:fontRef>
+        </p:style>
+        <p:txBody>
+          <a:bodyPr rtlCol="0" anchor="ctr"/>
+          <a:lstStyle/>
+          <a:p>
+            <a:pPr algn="ctr"/>
+            <a:r>
+              <a:rPr lang="en-US" dirty="0"/>
+              <a:t>a3==n</a:t>
+            </a:r>
+          </a:p>
+        </p:txBody>
+      </p:sp>
+      <p:sp>
+        <p:nvSpPr>
+          <p:cNvPr id="77" name="Diamond 76">
+            <a:extLst>
+              <a:ext uri="{FF2B5EF4-FFF2-40B4-BE49-F238E27FC236}">
+                <a16:creationId xmlns:a16="http://schemas.microsoft.com/office/drawing/2014/main" id="{358CB95D-D629-C717-6DB0-389637789A45}"/>
+              </a:ext>
+            </a:extLst>
+          </p:cNvPr>
+          <p:cNvSpPr/>
+          <p:nvPr/>
+        </p:nvSpPr>
+        <p:spPr>
+          <a:xfrm>
+            <a:off x="1311595" y="7447688"/>
+            <a:ext cx="1284971" cy="579121"/>
+          </a:xfrm>
+          <a:prstGeom prst="diamond">
+            <a:avLst/>
+          </a:prstGeom>
+        </p:spPr>
+        <p:style>
+          <a:lnRef idx="2">
+            <a:schemeClr val="dk1">
+              <a:shade val="15000"/>
+            </a:schemeClr>
+          </a:lnRef>
+          <a:fillRef idx="1">
+            <a:schemeClr val="dk1"/>
+          </a:fillRef>
+          <a:effectRef idx="0">
+            <a:schemeClr val="dk1"/>
+          </a:effectRef>
+          <a:fontRef idx="minor">
+            <a:schemeClr val="lt1"/>
+          </a:fontRef>
+        </p:style>
+        <p:txBody>
+          <a:bodyPr rtlCol="0" anchor="ctr"/>
+          <a:lstStyle/>
+          <a:p>
+            <a:pPr algn="ctr"/>
+            <a:r>
+              <a:rPr lang="en-US" dirty="0"/>
+              <a:t>a3&gt;n</a:t>
+            </a:r>
+          </a:p>
+        </p:txBody>
+      </p:sp>
+      <p:sp>
+        <p:nvSpPr>
+          <p:cNvPr id="78" name="Rectangle 77">
+            <a:extLst>
+              <a:ext uri="{FF2B5EF4-FFF2-40B4-BE49-F238E27FC236}">
+                <a16:creationId xmlns:a16="http://schemas.microsoft.com/office/drawing/2014/main" id="{D9C57BFC-7A9E-55F4-2B08-2B8DA7DF377E}"/>
+              </a:ext>
+            </a:extLst>
+          </p:cNvPr>
+          <p:cNvSpPr/>
+          <p:nvPr/>
+        </p:nvSpPr>
+        <p:spPr>
+          <a:xfrm>
+            <a:off x="1278899" y="8278441"/>
+            <a:ext cx="1414919" cy="579120"/>
+          </a:xfrm>
+          <a:prstGeom prst="rect">
+            <a:avLst/>
+          </a:prstGeom>
+        </p:spPr>
+        <p:style>
+          <a:lnRef idx="2">
+            <a:schemeClr val="dk1">
+              <a:shade val="15000"/>
+            </a:schemeClr>
+          </a:lnRef>
+          <a:fillRef idx="1">
+            <a:schemeClr val="dk1"/>
+          </a:fillRef>
+          <a:effectRef idx="0">
+            <a:schemeClr val="dk1"/>
+          </a:effectRef>
+          <a:fontRef idx="minor">
+            <a:schemeClr val="lt1"/>
+          </a:fontRef>
+        </p:style>
+        <p:txBody>
+          <a:bodyPr rtlCol="0" anchor="ctr"/>
+          <a:lstStyle/>
+          <a:p>
+            <a:pPr algn="ctr"/>
+            <a:r>
+              <a:rPr lang="en-US" dirty="0"/>
+              <a:t>L1=a2,a2=a3</a:t>
+            </a:r>
+          </a:p>
+        </p:txBody>
+      </p:sp>
+      <p:cxnSp>
+        <p:nvCxnSpPr>
+          <p:cNvPr id="80" name="Connector: Elbow 79">
+            <a:extLst>
+              <a:ext uri="{FF2B5EF4-FFF2-40B4-BE49-F238E27FC236}">
+                <a16:creationId xmlns:a16="http://schemas.microsoft.com/office/drawing/2014/main" id="{42E2DDFB-8F18-C57E-8D03-8D9186F5AEBE}"/>
+              </a:ext>
+            </a:extLst>
+          </p:cNvPr>
+          <p:cNvCxnSpPr>
+            <a:cxnSpLocks/>
+            <a:stCxn id="77" idx="1"/>
+            <a:endCxn id="65" idx="1"/>
+          </p:cNvCxnSpPr>
+          <p:nvPr/>
+        </p:nvCxnSpPr>
+        <p:spPr>
+          <a:xfrm rot="10800000" flipH="1">
+            <a:off x="1311594" y="5292071"/>
+            <a:ext cx="66277" cy="2445179"/>
+          </a:xfrm>
+          <a:prstGeom prst="bentConnector3">
+            <a:avLst>
+              <a:gd name="adj1" fmla="val -344916"/>
+            </a:avLst>
+          </a:prstGeom>
+          <a:ln>
+            <a:tailEnd type="triangle"/>
+          </a:ln>
+        </p:spPr>
+        <p:style>
+          <a:lnRef idx="2">
+            <a:schemeClr val="accent1"/>
+          </a:lnRef>
+          <a:fillRef idx="0">
+            <a:schemeClr val="accent1"/>
+          </a:fillRef>
+          <a:effectRef idx="1">
+            <a:schemeClr val="accent1"/>
+          </a:effectRef>
+          <a:fontRef idx="minor">
+            <a:schemeClr val="tx1"/>
+          </a:fontRef>
+        </p:style>
+      </p:cxnSp>
+      <p:cxnSp>
+        <p:nvCxnSpPr>
+          <p:cNvPr id="84" name="Connector: Elbow 83">
+            <a:extLst>
+              <a:ext uri="{FF2B5EF4-FFF2-40B4-BE49-F238E27FC236}">
+                <a16:creationId xmlns:a16="http://schemas.microsoft.com/office/drawing/2014/main" id="{0D2F0B62-70D2-EB1A-B4EA-67CDFF40AA4D}"/>
+              </a:ext>
+            </a:extLst>
+          </p:cNvPr>
+          <p:cNvCxnSpPr>
+            <a:stCxn id="75" idx="1"/>
+            <a:endCxn id="64" idx="3"/>
+          </p:cNvCxnSpPr>
+          <p:nvPr/>
+        </p:nvCxnSpPr>
+        <p:spPr>
+          <a:xfrm rot="10800000">
+            <a:off x="2474615" y="4485202"/>
+            <a:ext cx="228255" cy="208179"/>
+          </a:xfrm>
+          <a:prstGeom prst="bentConnector3">
+            <a:avLst/>
+          </a:prstGeom>
+          <a:ln>
+            <a:tailEnd type="triangle"/>
+          </a:ln>
+        </p:spPr>
+        <p:style>
+          <a:lnRef idx="2">
+            <a:schemeClr val="accent1"/>
+          </a:lnRef>
+          <a:fillRef idx="0">
+            <a:schemeClr val="accent1"/>
+          </a:fillRef>
+          <a:effectRef idx="1">
+            <a:schemeClr val="accent1"/>
+          </a:effectRef>
+          <a:fontRef idx="minor">
+            <a:schemeClr val="tx1"/>
+          </a:fontRef>
+        </p:style>
+      </p:cxnSp>
+      <p:sp>
+        <p:nvSpPr>
+          <p:cNvPr id="85" name="TextBox 84">
+            <a:extLst>
+              <a:ext uri="{FF2B5EF4-FFF2-40B4-BE49-F238E27FC236}">
+                <a16:creationId xmlns:a16="http://schemas.microsoft.com/office/drawing/2014/main" id="{5A979714-493C-7A65-91A5-1A8211EE08E1}"/>
+              </a:ext>
+            </a:extLst>
+          </p:cNvPr>
+          <p:cNvSpPr txBox="1"/>
+          <p:nvPr/>
+        </p:nvSpPr>
+        <p:spPr>
+          <a:xfrm>
+            <a:off x="2546247" y="4187715"/>
+            <a:ext cx="662361" cy="369332"/>
+          </a:xfrm>
+          <a:prstGeom prst="rect">
+            <a:avLst/>
+          </a:prstGeom>
+          <a:noFill/>
+        </p:spPr>
+        <p:txBody>
+          <a:bodyPr wrap="none" rtlCol="0">
+            <a:spAutoFit/>
+          </a:bodyPr>
+          <a:lstStyle/>
+          <a:p>
+            <a:r>
               <a:rPr lang="fa-IR" dirty="0"/>
-              <a:t>نمایش </a:t>
-            </a:r>
+              <a:t>درست</a:t>
+            </a:r>
+            <a:endParaRPr lang="en-US" dirty="0"/>
+          </a:p>
+        </p:txBody>
+      </p:sp>
+      <p:cxnSp>
+        <p:nvCxnSpPr>
+          <p:cNvPr id="87" name="Straight Arrow Connector 86">
+            <a:extLst>
+              <a:ext uri="{FF2B5EF4-FFF2-40B4-BE49-F238E27FC236}">
+                <a16:creationId xmlns:a16="http://schemas.microsoft.com/office/drawing/2014/main" id="{C962509C-C453-AB21-ACDF-1720551CE48F}"/>
+              </a:ext>
+            </a:extLst>
+          </p:cNvPr>
+          <p:cNvCxnSpPr>
+            <a:stCxn id="64" idx="2"/>
+            <a:endCxn id="65" idx="0"/>
+          </p:cNvCxnSpPr>
+          <p:nvPr/>
+        </p:nvCxnSpPr>
+        <p:spPr>
+          <a:xfrm>
+            <a:off x="1926243" y="4760641"/>
+            <a:ext cx="0" cy="255989"/>
+          </a:xfrm>
+          <a:prstGeom prst="straightConnector1">
+            <a:avLst/>
+          </a:prstGeom>
+          <a:ln>
+            <a:tailEnd type="triangle"/>
+          </a:ln>
+        </p:spPr>
+        <p:style>
+          <a:lnRef idx="2">
+            <a:schemeClr val="accent1"/>
+          </a:lnRef>
+          <a:fillRef idx="0">
+            <a:schemeClr val="accent1"/>
+          </a:fillRef>
+          <a:effectRef idx="1">
+            <a:schemeClr val="accent1"/>
+          </a:effectRef>
+          <a:fontRef idx="minor">
+            <a:schemeClr val="tx1"/>
+          </a:fontRef>
+        </p:style>
+      </p:cxnSp>
+      <p:cxnSp>
+        <p:nvCxnSpPr>
+          <p:cNvPr id="98" name="Connector: Elbow 97">
+            <a:extLst>
+              <a:ext uri="{FF2B5EF4-FFF2-40B4-BE49-F238E27FC236}">
+                <a16:creationId xmlns:a16="http://schemas.microsoft.com/office/drawing/2014/main" id="{CA923341-C4CD-B397-B629-944043019069}"/>
+              </a:ext>
+            </a:extLst>
+          </p:cNvPr>
+          <p:cNvCxnSpPr>
+            <a:cxnSpLocks/>
+            <a:stCxn id="75" idx="3"/>
+            <a:endCxn id="97" idx="1"/>
+          </p:cNvCxnSpPr>
+          <p:nvPr/>
+        </p:nvCxnSpPr>
+        <p:spPr>
+          <a:xfrm flipV="1">
+            <a:off x="4211395" y="4063042"/>
+            <a:ext cx="1298231" cy="630338"/>
+          </a:xfrm>
+          <a:prstGeom prst="bentConnector3">
+            <a:avLst>
+              <a:gd name="adj1" fmla="val 50000"/>
+            </a:avLst>
+          </a:prstGeom>
+          <a:ln>
+            <a:tailEnd type="triangle"/>
+          </a:ln>
+        </p:spPr>
+        <p:style>
+          <a:lnRef idx="2">
+            <a:schemeClr val="accent1"/>
+          </a:lnRef>
+          <a:fillRef idx="0">
+            <a:schemeClr val="accent1"/>
+          </a:fillRef>
+          <a:effectRef idx="1">
+            <a:schemeClr val="accent1"/>
+          </a:effectRef>
+          <a:fontRef idx="minor">
+            <a:schemeClr val="tx1"/>
+          </a:fontRef>
+        </p:style>
+      </p:cxnSp>
+      <p:cxnSp>
+        <p:nvCxnSpPr>
+          <p:cNvPr id="102" name="Straight Arrow Connector 101">
+            <a:extLst>
+              <a:ext uri="{FF2B5EF4-FFF2-40B4-BE49-F238E27FC236}">
+                <a16:creationId xmlns:a16="http://schemas.microsoft.com/office/drawing/2014/main" id="{7AD5A9BE-789D-73D9-DA32-829C6AAC2300}"/>
+              </a:ext>
+            </a:extLst>
+          </p:cNvPr>
+          <p:cNvCxnSpPr>
+            <a:cxnSpLocks/>
+            <a:stCxn id="77" idx="2"/>
+            <a:endCxn id="78" idx="0"/>
+          </p:cNvCxnSpPr>
+          <p:nvPr/>
+        </p:nvCxnSpPr>
+        <p:spPr>
+          <a:xfrm>
+            <a:off x="1954081" y="8026809"/>
+            <a:ext cx="32278" cy="251632"/>
+          </a:xfrm>
+          <a:prstGeom prst="straightConnector1">
+            <a:avLst/>
+          </a:prstGeom>
+          <a:ln>
+            <a:tailEnd type="triangle"/>
+          </a:ln>
+        </p:spPr>
+        <p:style>
+          <a:lnRef idx="2">
+            <a:schemeClr val="accent1"/>
+          </a:lnRef>
+          <a:fillRef idx="0">
+            <a:schemeClr val="accent1"/>
+          </a:fillRef>
+          <a:effectRef idx="1">
+            <a:schemeClr val="accent1"/>
+          </a:effectRef>
+          <a:fontRef idx="minor">
+            <a:schemeClr val="tx1"/>
+          </a:fontRef>
+        </p:style>
+      </p:cxnSp>
+      <p:cxnSp>
+        <p:nvCxnSpPr>
+          <p:cNvPr id="106" name="Connector: Elbow 105">
+            <a:extLst>
+              <a:ext uri="{FF2B5EF4-FFF2-40B4-BE49-F238E27FC236}">
+                <a16:creationId xmlns:a16="http://schemas.microsoft.com/office/drawing/2014/main" id="{2F9539DF-34C6-AC8E-E1CA-AB0FA33F11E8}"/>
+              </a:ext>
+            </a:extLst>
+          </p:cNvPr>
+          <p:cNvCxnSpPr>
+            <a:cxnSpLocks/>
+            <a:stCxn id="78" idx="3"/>
+            <a:endCxn id="69" idx="3"/>
+          </p:cNvCxnSpPr>
+          <p:nvPr/>
+        </p:nvCxnSpPr>
+        <p:spPr>
+          <a:xfrm flipH="1" flipV="1">
+            <a:off x="2508227" y="6129873"/>
+            <a:ext cx="185591" cy="2438128"/>
+          </a:xfrm>
+          <a:prstGeom prst="bentConnector3">
+            <a:avLst>
+              <a:gd name="adj1" fmla="val -49270"/>
+            </a:avLst>
+          </a:prstGeom>
+          <a:ln>
+            <a:tailEnd type="triangle"/>
+          </a:ln>
+        </p:spPr>
+        <p:style>
+          <a:lnRef idx="2">
+            <a:schemeClr val="accent1"/>
+          </a:lnRef>
+          <a:fillRef idx="0">
+            <a:schemeClr val="accent1"/>
+          </a:fillRef>
+          <a:effectRef idx="1">
+            <a:schemeClr val="accent1"/>
+          </a:effectRef>
+          <a:fontRef idx="minor">
+            <a:schemeClr val="tx1"/>
+          </a:fontRef>
+        </p:style>
+      </p:cxnSp>
+      <p:cxnSp>
+        <p:nvCxnSpPr>
+          <p:cNvPr id="109" name="Straight Arrow Connector 108">
+            <a:extLst>
+              <a:ext uri="{FF2B5EF4-FFF2-40B4-BE49-F238E27FC236}">
+                <a16:creationId xmlns:a16="http://schemas.microsoft.com/office/drawing/2014/main" id="{D84CCAA9-5777-3212-9E58-5C3162D1782A}"/>
+              </a:ext>
+            </a:extLst>
+          </p:cNvPr>
+          <p:cNvCxnSpPr>
+            <a:stCxn id="69" idx="2"/>
+            <a:endCxn id="70" idx="0"/>
+          </p:cNvCxnSpPr>
+          <p:nvPr/>
+        </p:nvCxnSpPr>
+        <p:spPr>
+          <a:xfrm flipH="1">
+            <a:off x="1954081" y="6405313"/>
+            <a:ext cx="5775" cy="221883"/>
+          </a:xfrm>
+          <a:prstGeom prst="straightConnector1">
+            <a:avLst/>
+          </a:prstGeom>
+          <a:ln>
+            <a:tailEnd type="triangle"/>
+          </a:ln>
+        </p:spPr>
+        <p:style>
+          <a:lnRef idx="2">
+            <a:schemeClr val="accent1"/>
+          </a:lnRef>
+          <a:fillRef idx="0">
+            <a:schemeClr val="accent1"/>
+          </a:fillRef>
+          <a:effectRef idx="1">
+            <a:schemeClr val="accent1"/>
+          </a:effectRef>
+          <a:fontRef idx="minor">
+            <a:schemeClr val="tx1"/>
+          </a:fontRef>
+        </p:style>
+      </p:cxnSp>
+      <p:cxnSp>
+        <p:nvCxnSpPr>
+          <p:cNvPr id="111" name="Straight Arrow Connector 110">
+            <a:extLst>
+              <a:ext uri="{FF2B5EF4-FFF2-40B4-BE49-F238E27FC236}">
+                <a16:creationId xmlns:a16="http://schemas.microsoft.com/office/drawing/2014/main" id="{79134164-3001-9DB9-2679-860F5090960B}"/>
+              </a:ext>
+            </a:extLst>
+          </p:cNvPr>
+          <p:cNvCxnSpPr>
+            <a:cxnSpLocks/>
+            <a:stCxn id="70" idx="2"/>
+            <a:endCxn id="77" idx="0"/>
+          </p:cNvCxnSpPr>
+          <p:nvPr/>
+        </p:nvCxnSpPr>
+        <p:spPr>
+          <a:xfrm>
+            <a:off x="1954081" y="7226323"/>
+            <a:ext cx="0" cy="221365"/>
+          </a:xfrm>
+          <a:prstGeom prst="straightConnector1">
+            <a:avLst/>
+          </a:prstGeom>
+          <a:ln>
+            <a:tailEnd type="triangle"/>
+          </a:ln>
+        </p:spPr>
+        <p:style>
+          <a:lnRef idx="2">
+            <a:schemeClr val="accent1"/>
+          </a:lnRef>
+          <a:fillRef idx="0">
+            <a:schemeClr val="accent1"/>
+          </a:fillRef>
+          <a:effectRef idx="1">
+            <a:schemeClr val="accent1"/>
+          </a:effectRef>
+          <a:fontRef idx="minor">
+            <a:schemeClr val="tx1"/>
+          </a:fontRef>
+        </p:style>
+      </p:cxnSp>
+      <p:cxnSp>
+        <p:nvCxnSpPr>
+          <p:cNvPr id="114" name="Straight Arrow Connector 113">
+            <a:extLst>
+              <a:ext uri="{FF2B5EF4-FFF2-40B4-BE49-F238E27FC236}">
+                <a16:creationId xmlns:a16="http://schemas.microsoft.com/office/drawing/2014/main" id="{F032CF81-161C-1F6E-EE82-CB15CAD9F436}"/>
+              </a:ext>
+            </a:extLst>
+          </p:cNvPr>
+          <p:cNvCxnSpPr>
+            <a:stCxn id="65" idx="2"/>
+            <a:endCxn id="69" idx="0"/>
+          </p:cNvCxnSpPr>
+          <p:nvPr/>
+        </p:nvCxnSpPr>
+        <p:spPr>
+          <a:xfrm>
+            <a:off x="1926243" y="5567510"/>
+            <a:ext cx="33613" cy="286923"/>
+          </a:xfrm>
+          <a:prstGeom prst="straightConnector1">
+            <a:avLst/>
+          </a:prstGeom>
+          <a:ln>
+            <a:tailEnd type="triangle"/>
+          </a:ln>
+        </p:spPr>
+        <p:style>
+          <a:lnRef idx="2">
+            <a:schemeClr val="accent1"/>
+          </a:lnRef>
+          <a:fillRef idx="0">
+            <a:schemeClr val="accent1"/>
+          </a:fillRef>
+          <a:effectRef idx="1">
+            <a:schemeClr val="accent1"/>
+          </a:effectRef>
+          <a:fontRef idx="minor">
+            <a:schemeClr val="tx1"/>
+          </a:fontRef>
+        </p:style>
+      </p:cxnSp>
+      <p:sp>
+        <p:nvSpPr>
+          <p:cNvPr id="115" name="TextBox 114">
+            <a:extLst>
+              <a:ext uri="{FF2B5EF4-FFF2-40B4-BE49-F238E27FC236}">
+                <a16:creationId xmlns:a16="http://schemas.microsoft.com/office/drawing/2014/main" id="{66BA5947-5C61-07B1-52AB-7CAF3AD534B3}"/>
+              </a:ext>
+            </a:extLst>
+          </p:cNvPr>
+          <p:cNvSpPr txBox="1"/>
+          <p:nvPr/>
+        </p:nvSpPr>
+        <p:spPr>
+          <a:xfrm>
+            <a:off x="1051919" y="7357116"/>
+            <a:ext cx="662361" cy="369332"/>
+          </a:xfrm>
+          <a:prstGeom prst="rect">
+            <a:avLst/>
+          </a:prstGeom>
+          <a:noFill/>
+        </p:spPr>
+        <p:txBody>
+          <a:bodyPr wrap="none" rtlCol="0">
+            <a:spAutoFit/>
+          </a:bodyPr>
+          <a:lstStyle/>
+          <a:p>
+            <a:r>
+              <a:rPr lang="fa-IR" dirty="0"/>
+              <a:t>درست</a:t>
+            </a:r>
+            <a:endParaRPr lang="en-US" dirty="0"/>
+          </a:p>
+        </p:txBody>
+      </p:sp>
+      <p:sp>
+        <p:nvSpPr>
+          <p:cNvPr id="116" name="TextBox 115">
+            <a:extLst>
+              <a:ext uri="{FF2B5EF4-FFF2-40B4-BE49-F238E27FC236}">
+                <a16:creationId xmlns:a16="http://schemas.microsoft.com/office/drawing/2014/main" id="{A4DCE968-A738-1A6D-3B42-D98516249E99}"/>
+              </a:ext>
+            </a:extLst>
+          </p:cNvPr>
+          <p:cNvSpPr txBox="1"/>
+          <p:nvPr/>
+        </p:nvSpPr>
+        <p:spPr>
+          <a:xfrm>
+            <a:off x="1272535" y="7932715"/>
+            <a:ext cx="771365" cy="369332"/>
+          </a:xfrm>
+          <a:prstGeom prst="rect">
+            <a:avLst/>
+          </a:prstGeom>
+          <a:noFill/>
+        </p:spPr>
+        <p:txBody>
+          <a:bodyPr wrap="none" rtlCol="0">
+            <a:spAutoFit/>
+          </a:bodyPr>
+          <a:lstStyle/>
+          <a:p>
+            <a:r>
+              <a:rPr lang="fa-IR" dirty="0"/>
+              <a:t>نادرست</a:t>
+            </a:r>
+            <a:endParaRPr lang="en-US" dirty="0"/>
+          </a:p>
+        </p:txBody>
+      </p:sp>
+      <p:sp>
+        <p:nvSpPr>
+          <p:cNvPr id="119" name="Rectangle 118">
+            <a:extLst>
+              <a:ext uri="{FF2B5EF4-FFF2-40B4-BE49-F238E27FC236}">
+                <a16:creationId xmlns:a16="http://schemas.microsoft.com/office/drawing/2014/main" id="{BF7C6544-CFB8-9B69-54B1-ED1F4D7A2A06}"/>
+              </a:ext>
+            </a:extLst>
+          </p:cNvPr>
+          <p:cNvSpPr/>
+          <p:nvPr/>
+        </p:nvSpPr>
+        <p:spPr>
+          <a:xfrm>
+            <a:off x="5295421" y="4750788"/>
+            <a:ext cx="1096742" cy="550880"/>
+          </a:xfrm>
+          <a:prstGeom prst="rect">
+            <a:avLst/>
+          </a:prstGeom>
+        </p:spPr>
+        <p:style>
+          <a:lnRef idx="2">
+            <a:schemeClr val="dk1">
+              <a:shade val="15000"/>
+            </a:schemeClr>
+          </a:lnRef>
+          <a:fillRef idx="1">
+            <a:schemeClr val="dk1"/>
+          </a:fillRef>
+          <a:effectRef idx="0">
+            <a:schemeClr val="dk1"/>
+          </a:effectRef>
+          <a:fontRef idx="minor">
+            <a:schemeClr val="lt1"/>
+          </a:fontRef>
+        </p:style>
+        <p:txBody>
+          <a:bodyPr rtlCol="0" anchor="ctr"/>
+          <a:lstStyle/>
+          <a:p>
+            <a:pPr algn="ctr"/>
             <a:r>
               <a:rPr lang="en-US" dirty="0"/>
-              <a:t>a1,a2</a:t>
-            </a:r>
-          </a:p>
-        </p:txBody>
-      </p:sp>
+              <a:t>na2=a2</a:t>
+            </a:r>
+          </a:p>
+          <a:p>
+            <a:pPr algn="ctr"/>
+            <a:r>
+              <a:rPr lang="en-US" dirty="0"/>
+              <a:t>L2=a2</a:t>
+            </a:r>
+          </a:p>
+        </p:txBody>
+      </p:sp>
+      <p:sp>
+        <p:nvSpPr>
+          <p:cNvPr id="120" name="Rectangle 119">
+            <a:extLst>
+              <a:ext uri="{FF2B5EF4-FFF2-40B4-BE49-F238E27FC236}">
+                <a16:creationId xmlns:a16="http://schemas.microsoft.com/office/drawing/2014/main" id="{859A0BC6-6663-5947-5656-AC1A72FB9D5C}"/>
+              </a:ext>
+            </a:extLst>
+          </p:cNvPr>
+          <p:cNvSpPr/>
+          <p:nvPr/>
+        </p:nvSpPr>
+        <p:spPr>
+          <a:xfrm>
+            <a:off x="5295421" y="5557657"/>
+            <a:ext cx="1096742" cy="550880"/>
+          </a:xfrm>
+          <a:prstGeom prst="rect">
+            <a:avLst/>
+          </a:prstGeom>
+        </p:spPr>
+        <p:style>
+          <a:lnRef idx="2">
+            <a:schemeClr val="dk1">
+              <a:shade val="15000"/>
+            </a:schemeClr>
+          </a:lnRef>
+          <a:fillRef idx="1">
+            <a:schemeClr val="dk1"/>
+          </a:fillRef>
+          <a:effectRef idx="0">
+            <a:schemeClr val="dk1"/>
+          </a:effectRef>
+          <a:fontRef idx="minor">
+            <a:schemeClr val="lt1"/>
+          </a:fontRef>
+        </p:style>
+        <p:txBody>
+          <a:bodyPr rtlCol="0" anchor="ctr"/>
+          <a:lstStyle/>
+          <a:p>
+            <a:pPr algn="ctr"/>
+            <a:r>
+              <a:rPr lang="en-US" dirty="0"/>
+              <a:t>na2++</a:t>
+            </a:r>
+          </a:p>
+          <a:p>
+            <a:pPr algn="ctr"/>
+            <a:r>
+              <a:rPr lang="en-US" dirty="0"/>
+              <a:t>L2=na2</a:t>
+            </a:r>
+          </a:p>
+        </p:txBody>
+      </p:sp>
+      <p:sp>
+        <p:nvSpPr>
+          <p:cNvPr id="121" name="Rectangle 120">
+            <a:extLst>
+              <a:ext uri="{FF2B5EF4-FFF2-40B4-BE49-F238E27FC236}">
+                <a16:creationId xmlns:a16="http://schemas.microsoft.com/office/drawing/2014/main" id="{09C33079-C2C8-B092-58B4-F17B5EBF5660}"/>
+              </a:ext>
+            </a:extLst>
+          </p:cNvPr>
+          <p:cNvSpPr/>
+          <p:nvPr/>
+        </p:nvSpPr>
+        <p:spPr>
+          <a:xfrm>
+            <a:off x="5329034" y="6395460"/>
+            <a:ext cx="1096742" cy="550880"/>
+          </a:xfrm>
+          <a:prstGeom prst="rect">
+            <a:avLst/>
+          </a:prstGeom>
+        </p:spPr>
+        <p:style>
+          <a:lnRef idx="2">
+            <a:schemeClr val="dk1">
+              <a:shade val="15000"/>
+            </a:schemeClr>
+          </a:lnRef>
+          <a:fillRef idx="1">
+            <a:schemeClr val="dk1"/>
+          </a:fillRef>
+          <a:effectRef idx="0">
+            <a:schemeClr val="dk1"/>
+          </a:effectRef>
+          <a:fontRef idx="minor">
+            <a:schemeClr val="lt1"/>
+          </a:fontRef>
+        </p:style>
+        <p:txBody>
+          <a:bodyPr rtlCol="0" anchor="ctr"/>
+          <a:lstStyle/>
+          <a:p>
+            <a:pPr algn="ctr"/>
+            <a:r>
+              <a:rPr lang="en-US" dirty="0"/>
+              <a:t>a3=L2+a2</a:t>
+            </a:r>
+          </a:p>
+        </p:txBody>
+      </p:sp>
+      <p:sp>
+        <p:nvSpPr>
+          <p:cNvPr id="122" name="Diamond 121">
+            <a:extLst>
+              <a:ext uri="{FF2B5EF4-FFF2-40B4-BE49-F238E27FC236}">
+                <a16:creationId xmlns:a16="http://schemas.microsoft.com/office/drawing/2014/main" id="{C31A9F34-1B97-1692-A69C-095382282984}"/>
+              </a:ext>
+            </a:extLst>
+          </p:cNvPr>
+          <p:cNvSpPr/>
+          <p:nvPr/>
+        </p:nvSpPr>
+        <p:spPr>
+          <a:xfrm>
+            <a:off x="5229144" y="7168223"/>
+            <a:ext cx="1284971" cy="599127"/>
+          </a:xfrm>
+          <a:prstGeom prst="diamond">
+            <a:avLst/>
+          </a:prstGeom>
+        </p:spPr>
+        <p:style>
+          <a:lnRef idx="2">
+            <a:schemeClr val="dk1">
+              <a:shade val="15000"/>
+            </a:schemeClr>
+          </a:lnRef>
+          <a:fillRef idx="1">
+            <a:schemeClr val="dk1"/>
+          </a:fillRef>
+          <a:effectRef idx="0">
+            <a:schemeClr val="dk1"/>
+          </a:effectRef>
+          <a:fontRef idx="minor">
+            <a:schemeClr val="lt1"/>
+          </a:fontRef>
+        </p:style>
+        <p:txBody>
+          <a:bodyPr rtlCol="0" anchor="ctr"/>
+          <a:lstStyle/>
+          <a:p>
+            <a:pPr algn="ctr"/>
+            <a:r>
+              <a:rPr lang="en-US" dirty="0"/>
+              <a:t>a3==n</a:t>
+            </a:r>
+          </a:p>
+        </p:txBody>
+      </p:sp>
+      <p:sp>
+        <p:nvSpPr>
+          <p:cNvPr id="123" name="Diamond 122">
+            <a:extLst>
+              <a:ext uri="{FF2B5EF4-FFF2-40B4-BE49-F238E27FC236}">
+                <a16:creationId xmlns:a16="http://schemas.microsoft.com/office/drawing/2014/main" id="{2E743D86-94D0-D1B6-3FA6-0AA06D6D67EE}"/>
+              </a:ext>
+            </a:extLst>
+          </p:cNvPr>
+          <p:cNvSpPr/>
+          <p:nvPr/>
+        </p:nvSpPr>
+        <p:spPr>
+          <a:xfrm>
+            <a:off x="5229144" y="7988715"/>
+            <a:ext cx="1284971" cy="579121"/>
+          </a:xfrm>
+          <a:prstGeom prst="diamond">
+            <a:avLst/>
+          </a:prstGeom>
+        </p:spPr>
+        <p:style>
+          <a:lnRef idx="2">
+            <a:schemeClr val="dk1">
+              <a:shade val="15000"/>
+            </a:schemeClr>
+          </a:lnRef>
+          <a:fillRef idx="1">
+            <a:schemeClr val="dk1"/>
+          </a:fillRef>
+          <a:effectRef idx="0">
+            <a:schemeClr val="dk1"/>
+          </a:effectRef>
+          <a:fontRef idx="minor">
+            <a:schemeClr val="lt1"/>
+          </a:fontRef>
+        </p:style>
+        <p:txBody>
+          <a:bodyPr rtlCol="0" anchor="ctr"/>
+          <a:lstStyle/>
+          <a:p>
+            <a:pPr algn="ctr"/>
+            <a:r>
+              <a:rPr lang="en-US" dirty="0"/>
+              <a:t>a3&gt;n</a:t>
+            </a:r>
+          </a:p>
+        </p:txBody>
+      </p:sp>
+      <p:sp>
+        <p:nvSpPr>
+          <p:cNvPr id="124" name="Rectangle 123">
+            <a:extLst>
+              <a:ext uri="{FF2B5EF4-FFF2-40B4-BE49-F238E27FC236}">
+                <a16:creationId xmlns:a16="http://schemas.microsoft.com/office/drawing/2014/main" id="{3C0A43D5-40A5-F8DB-53E1-54CD73825E11}"/>
+              </a:ext>
+            </a:extLst>
+          </p:cNvPr>
+          <p:cNvSpPr/>
+          <p:nvPr/>
+        </p:nvSpPr>
+        <p:spPr>
+          <a:xfrm>
+            <a:off x="5196448" y="8819468"/>
+            <a:ext cx="1414919" cy="579120"/>
+          </a:xfrm>
+          <a:prstGeom prst="rect">
+            <a:avLst/>
+          </a:prstGeom>
+        </p:spPr>
+        <p:style>
+          <a:lnRef idx="2">
+            <a:schemeClr val="dk1">
+              <a:shade val="15000"/>
+            </a:schemeClr>
+          </a:lnRef>
+          <a:fillRef idx="1">
+            <a:schemeClr val="dk1"/>
+          </a:fillRef>
+          <a:effectRef idx="0">
+            <a:schemeClr val="dk1"/>
+          </a:effectRef>
+          <a:fontRef idx="minor">
+            <a:schemeClr val="lt1"/>
+          </a:fontRef>
+        </p:style>
+        <p:txBody>
+          <a:bodyPr rtlCol="0" anchor="ctr"/>
+          <a:lstStyle/>
+          <a:p>
+            <a:pPr algn="ctr"/>
+            <a:r>
+              <a:rPr lang="en-US" dirty="0"/>
+              <a:t>L2=a2,a2=a3</a:t>
+            </a:r>
+          </a:p>
+        </p:txBody>
+      </p:sp>
+      <p:cxnSp>
+        <p:nvCxnSpPr>
+          <p:cNvPr id="125" name="Connector: Elbow 124">
+            <a:extLst>
+              <a:ext uri="{FF2B5EF4-FFF2-40B4-BE49-F238E27FC236}">
+                <a16:creationId xmlns:a16="http://schemas.microsoft.com/office/drawing/2014/main" id="{7C6CF9CB-C47A-D8BB-50AD-BDE5AE4AB9B3}"/>
+              </a:ext>
+            </a:extLst>
+          </p:cNvPr>
+          <p:cNvCxnSpPr>
+            <a:cxnSpLocks/>
+            <a:stCxn id="123" idx="1"/>
+            <a:endCxn id="120" idx="1"/>
+          </p:cNvCxnSpPr>
+          <p:nvPr/>
+        </p:nvCxnSpPr>
+        <p:spPr>
+          <a:xfrm rot="10800000" flipH="1">
+            <a:off x="5229143" y="5833098"/>
+            <a:ext cx="66277" cy="2445179"/>
+          </a:xfrm>
+          <a:prstGeom prst="bentConnector3">
+            <a:avLst>
+              <a:gd name="adj1" fmla="val -344916"/>
+            </a:avLst>
+          </a:prstGeom>
+          <a:ln>
+            <a:tailEnd type="triangle"/>
+          </a:ln>
+        </p:spPr>
+        <p:style>
+          <a:lnRef idx="2">
+            <a:schemeClr val="accent1"/>
+          </a:lnRef>
+          <a:fillRef idx="0">
+            <a:schemeClr val="accent1"/>
+          </a:fillRef>
+          <a:effectRef idx="1">
+            <a:schemeClr val="accent1"/>
+          </a:effectRef>
+          <a:fontRef idx="minor">
+            <a:schemeClr val="tx1"/>
+          </a:fontRef>
+        </p:style>
+      </p:cxnSp>
+      <p:cxnSp>
+        <p:nvCxnSpPr>
+          <p:cNvPr id="128" name="Straight Arrow Connector 127">
+            <a:extLst>
+              <a:ext uri="{FF2B5EF4-FFF2-40B4-BE49-F238E27FC236}">
+                <a16:creationId xmlns:a16="http://schemas.microsoft.com/office/drawing/2014/main" id="{22FA0E01-A8B2-A767-3799-41F82D13EAD2}"/>
+              </a:ext>
+            </a:extLst>
+          </p:cNvPr>
+          <p:cNvCxnSpPr>
+            <a:stCxn id="119" idx="2"/>
+            <a:endCxn id="120" idx="0"/>
+          </p:cNvCxnSpPr>
+          <p:nvPr/>
+        </p:nvCxnSpPr>
+        <p:spPr>
+          <a:xfrm>
+            <a:off x="5843792" y="5301668"/>
+            <a:ext cx="0" cy="255989"/>
+          </a:xfrm>
+          <a:prstGeom prst="straightConnector1">
+            <a:avLst/>
+          </a:prstGeom>
+          <a:ln>
+            <a:tailEnd type="triangle"/>
+          </a:ln>
+        </p:spPr>
+        <p:style>
+          <a:lnRef idx="2">
+            <a:schemeClr val="accent1"/>
+          </a:lnRef>
+          <a:fillRef idx="0">
+            <a:schemeClr val="accent1"/>
+          </a:fillRef>
+          <a:effectRef idx="1">
+            <a:schemeClr val="accent1"/>
+          </a:effectRef>
+          <a:fontRef idx="minor">
+            <a:schemeClr val="tx1"/>
+          </a:fontRef>
+        </p:style>
+      </p:cxnSp>
+      <p:cxnSp>
+        <p:nvCxnSpPr>
+          <p:cNvPr id="129" name="Straight Arrow Connector 128">
+            <a:extLst>
+              <a:ext uri="{FF2B5EF4-FFF2-40B4-BE49-F238E27FC236}">
+                <a16:creationId xmlns:a16="http://schemas.microsoft.com/office/drawing/2014/main" id="{8F242C0C-FF6A-8AEC-6C5D-78D1B30064C9}"/>
+              </a:ext>
+            </a:extLst>
+          </p:cNvPr>
+          <p:cNvCxnSpPr>
+            <a:cxnSpLocks/>
+            <a:stCxn id="123" idx="2"/>
+            <a:endCxn id="124" idx="0"/>
+          </p:cNvCxnSpPr>
+          <p:nvPr/>
+        </p:nvCxnSpPr>
+        <p:spPr>
+          <a:xfrm>
+            <a:off x="5871630" y="8567836"/>
+            <a:ext cx="32278" cy="251632"/>
+          </a:xfrm>
+          <a:prstGeom prst="straightConnector1">
+            <a:avLst/>
+          </a:prstGeom>
+          <a:ln>
+            <a:tailEnd type="triangle"/>
+          </a:ln>
+        </p:spPr>
+        <p:style>
+          <a:lnRef idx="2">
+            <a:schemeClr val="accent1"/>
+          </a:lnRef>
+          <a:fillRef idx="0">
+            <a:schemeClr val="accent1"/>
+          </a:fillRef>
+          <a:effectRef idx="1">
+            <a:schemeClr val="accent1"/>
+          </a:effectRef>
+          <a:fontRef idx="minor">
+            <a:schemeClr val="tx1"/>
+          </a:fontRef>
+        </p:style>
+      </p:cxnSp>
+      <p:cxnSp>
+        <p:nvCxnSpPr>
+          <p:cNvPr id="130" name="Connector: Elbow 129">
+            <a:extLst>
+              <a:ext uri="{FF2B5EF4-FFF2-40B4-BE49-F238E27FC236}">
+                <a16:creationId xmlns:a16="http://schemas.microsoft.com/office/drawing/2014/main" id="{29CA783B-A0FF-9403-77CD-4F95A5F8A620}"/>
+              </a:ext>
+            </a:extLst>
+          </p:cNvPr>
+          <p:cNvCxnSpPr>
+            <a:cxnSpLocks/>
+            <a:stCxn id="124" idx="3"/>
+            <a:endCxn id="121" idx="3"/>
+          </p:cNvCxnSpPr>
+          <p:nvPr/>
+        </p:nvCxnSpPr>
+        <p:spPr>
+          <a:xfrm flipH="1" flipV="1">
+            <a:off x="6425776" y="6670900"/>
+            <a:ext cx="185591" cy="2438128"/>
+          </a:xfrm>
+          <a:prstGeom prst="bentConnector3">
+            <a:avLst>
+              <a:gd name="adj1" fmla="val -49270"/>
+            </a:avLst>
+          </a:prstGeom>
+          <a:ln>
+            <a:tailEnd type="triangle"/>
+          </a:ln>
+        </p:spPr>
+        <p:style>
+          <a:lnRef idx="2">
+            <a:schemeClr val="accent1"/>
+          </a:lnRef>
+          <a:fillRef idx="0">
+            <a:schemeClr val="accent1"/>
+          </a:fillRef>
+          <a:effectRef idx="1">
+            <a:schemeClr val="accent1"/>
+          </a:effectRef>
+          <a:fontRef idx="minor">
+            <a:schemeClr val="tx1"/>
+          </a:fontRef>
+        </p:style>
+      </p:cxnSp>
+      <p:cxnSp>
+        <p:nvCxnSpPr>
+          <p:cNvPr id="131" name="Straight Arrow Connector 130">
+            <a:extLst>
+              <a:ext uri="{FF2B5EF4-FFF2-40B4-BE49-F238E27FC236}">
+                <a16:creationId xmlns:a16="http://schemas.microsoft.com/office/drawing/2014/main" id="{E7015FD7-232F-CEF7-50EB-4737200730D8}"/>
+              </a:ext>
+            </a:extLst>
+          </p:cNvPr>
+          <p:cNvCxnSpPr>
+            <a:stCxn id="121" idx="2"/>
+            <a:endCxn id="122" idx="0"/>
+          </p:cNvCxnSpPr>
+          <p:nvPr/>
+        </p:nvCxnSpPr>
+        <p:spPr>
+          <a:xfrm flipH="1">
+            <a:off x="5871630" y="6946340"/>
+            <a:ext cx="5775" cy="221883"/>
+          </a:xfrm>
+          <a:prstGeom prst="straightConnector1">
+            <a:avLst/>
+          </a:prstGeom>
+          <a:ln>
+            <a:tailEnd type="triangle"/>
+          </a:ln>
+        </p:spPr>
+        <p:style>
+          <a:lnRef idx="2">
+            <a:schemeClr val="accent1"/>
+          </a:lnRef>
+          <a:fillRef idx="0">
+            <a:schemeClr val="accent1"/>
+          </a:fillRef>
+          <a:effectRef idx="1">
+            <a:schemeClr val="accent1"/>
+          </a:effectRef>
+          <a:fontRef idx="minor">
+            <a:schemeClr val="tx1"/>
+          </a:fontRef>
+        </p:style>
+      </p:cxnSp>
+      <p:cxnSp>
+        <p:nvCxnSpPr>
+          <p:cNvPr id="132" name="Straight Arrow Connector 131">
+            <a:extLst>
+              <a:ext uri="{FF2B5EF4-FFF2-40B4-BE49-F238E27FC236}">
+                <a16:creationId xmlns:a16="http://schemas.microsoft.com/office/drawing/2014/main" id="{A73FAF40-C9D7-812B-E52E-6624CBBA963F}"/>
+              </a:ext>
+            </a:extLst>
+          </p:cNvPr>
+          <p:cNvCxnSpPr>
+            <a:cxnSpLocks/>
+            <a:stCxn id="122" idx="2"/>
+            <a:endCxn id="123" idx="0"/>
+          </p:cNvCxnSpPr>
+          <p:nvPr/>
+        </p:nvCxnSpPr>
+        <p:spPr>
+          <a:xfrm>
+            <a:off x="5871630" y="7767350"/>
+            <a:ext cx="0" cy="221365"/>
+          </a:xfrm>
+          <a:prstGeom prst="straightConnector1">
+            <a:avLst/>
+          </a:prstGeom>
+          <a:ln>
+            <a:tailEnd type="triangle"/>
+          </a:ln>
+        </p:spPr>
+        <p:style>
+          <a:lnRef idx="2">
+            <a:schemeClr val="accent1"/>
+          </a:lnRef>
+          <a:fillRef idx="0">
+            <a:schemeClr val="accent1"/>
+          </a:fillRef>
+          <a:effectRef idx="1">
+            <a:schemeClr val="accent1"/>
+          </a:effectRef>
+          <a:fontRef idx="minor">
+            <a:schemeClr val="tx1"/>
+          </a:fontRef>
+        </p:style>
+      </p:cxnSp>
+      <p:cxnSp>
+        <p:nvCxnSpPr>
+          <p:cNvPr id="133" name="Straight Arrow Connector 132">
+            <a:extLst>
+              <a:ext uri="{FF2B5EF4-FFF2-40B4-BE49-F238E27FC236}">
+                <a16:creationId xmlns:a16="http://schemas.microsoft.com/office/drawing/2014/main" id="{025CC47B-C767-25CB-BBCB-BE413EDE9235}"/>
+              </a:ext>
+            </a:extLst>
+          </p:cNvPr>
+          <p:cNvCxnSpPr>
+            <a:stCxn id="120" idx="2"/>
+            <a:endCxn id="121" idx="0"/>
+          </p:cNvCxnSpPr>
+          <p:nvPr/>
+        </p:nvCxnSpPr>
+        <p:spPr>
+          <a:xfrm>
+            <a:off x="5843792" y="6108537"/>
+            <a:ext cx="33613" cy="286923"/>
+          </a:xfrm>
+          <a:prstGeom prst="straightConnector1">
+            <a:avLst/>
+          </a:prstGeom>
+          <a:ln>
+            <a:tailEnd type="triangle"/>
+          </a:ln>
+        </p:spPr>
+        <p:style>
+          <a:lnRef idx="2">
+            <a:schemeClr val="accent1"/>
+          </a:lnRef>
+          <a:fillRef idx="0">
+            <a:schemeClr val="accent1"/>
+          </a:fillRef>
+          <a:effectRef idx="1">
+            <a:schemeClr val="accent1"/>
+          </a:effectRef>
+          <a:fontRef idx="minor">
+            <a:schemeClr val="tx1"/>
+          </a:fontRef>
+        </p:style>
+      </p:cxnSp>
+      <p:sp>
+        <p:nvSpPr>
+          <p:cNvPr id="134" name="TextBox 133">
+            <a:extLst>
+              <a:ext uri="{FF2B5EF4-FFF2-40B4-BE49-F238E27FC236}">
+                <a16:creationId xmlns:a16="http://schemas.microsoft.com/office/drawing/2014/main" id="{1231BF1A-5DB9-57DD-3DD1-ED17863906F0}"/>
+              </a:ext>
+            </a:extLst>
+          </p:cNvPr>
+          <p:cNvSpPr txBox="1"/>
+          <p:nvPr/>
+        </p:nvSpPr>
+        <p:spPr>
+          <a:xfrm>
+            <a:off x="4969468" y="7898143"/>
+            <a:ext cx="662361" cy="369332"/>
+          </a:xfrm>
+          <a:prstGeom prst="rect">
+            <a:avLst/>
+          </a:prstGeom>
+          <a:noFill/>
+        </p:spPr>
+        <p:txBody>
+          <a:bodyPr wrap="none" rtlCol="0">
+            <a:spAutoFit/>
+          </a:bodyPr>
+          <a:lstStyle/>
+          <a:p>
+            <a:r>
+              <a:rPr lang="fa-IR" dirty="0"/>
+              <a:t>درست</a:t>
+            </a:r>
+            <a:endParaRPr lang="en-US" dirty="0"/>
+          </a:p>
+        </p:txBody>
+      </p:sp>
+      <p:sp>
+        <p:nvSpPr>
+          <p:cNvPr id="135" name="TextBox 134">
+            <a:extLst>
+              <a:ext uri="{FF2B5EF4-FFF2-40B4-BE49-F238E27FC236}">
+                <a16:creationId xmlns:a16="http://schemas.microsoft.com/office/drawing/2014/main" id="{B045407E-092A-5546-B12F-E94F282D337C}"/>
+              </a:ext>
+            </a:extLst>
+          </p:cNvPr>
+          <p:cNvSpPr txBox="1"/>
+          <p:nvPr/>
+        </p:nvSpPr>
+        <p:spPr>
+          <a:xfrm>
+            <a:off x="5190084" y="8473742"/>
+            <a:ext cx="771365" cy="369332"/>
+          </a:xfrm>
+          <a:prstGeom prst="rect">
+            <a:avLst/>
+          </a:prstGeom>
+          <a:noFill/>
+        </p:spPr>
+        <p:txBody>
+          <a:bodyPr wrap="none" rtlCol="0">
+            <a:spAutoFit/>
+          </a:bodyPr>
+          <a:lstStyle/>
+          <a:p>
+            <a:r>
+              <a:rPr lang="fa-IR" dirty="0"/>
+              <a:t>نادرست</a:t>
+            </a:r>
+            <a:endParaRPr lang="en-US" dirty="0"/>
+          </a:p>
+        </p:txBody>
+      </p:sp>
+      <p:cxnSp>
+        <p:nvCxnSpPr>
+          <p:cNvPr id="137" name="Connector: Elbow 136">
+            <a:extLst>
+              <a:ext uri="{FF2B5EF4-FFF2-40B4-BE49-F238E27FC236}">
+                <a16:creationId xmlns:a16="http://schemas.microsoft.com/office/drawing/2014/main" id="{7ECBE99F-2860-8616-C5E5-DD4ACF3061AE}"/>
+              </a:ext>
+            </a:extLst>
+          </p:cNvPr>
+          <p:cNvCxnSpPr>
+            <a:stCxn id="70" idx="3"/>
+            <a:endCxn id="119" idx="1"/>
+          </p:cNvCxnSpPr>
+          <p:nvPr/>
+        </p:nvCxnSpPr>
+        <p:spPr>
+          <a:xfrm flipV="1">
+            <a:off x="2596566" y="5026228"/>
+            <a:ext cx="2698855" cy="1900532"/>
+          </a:xfrm>
+          <a:prstGeom prst="bentConnector3">
+            <a:avLst/>
+          </a:prstGeom>
+          <a:ln w="19050" cap="flat" cmpd="sng" algn="ctr">
+            <a:solidFill>
+              <a:schemeClr val="accent2"/>
+            </a:solidFill>
+            <a:prstDash val="solid"/>
+            <a:round/>
+            <a:headEnd type="none" w="med" len="med"/>
+            <a:tailEnd type="arrow" w="med" len="med"/>
+          </a:ln>
+        </p:spPr>
+        <p:style>
+          <a:lnRef idx="0">
+            <a:scrgbClr r="0" g="0" b="0"/>
+          </a:lnRef>
+          <a:fillRef idx="0">
+            <a:scrgbClr r="0" g="0" b="0"/>
+          </a:fillRef>
+          <a:effectRef idx="0">
+            <a:scrgbClr r="0" g="0" b="0"/>
+          </a:effectRef>
+          <a:fontRef idx="minor">
+            <a:schemeClr val="tx1"/>
+          </a:fontRef>
+        </p:style>
+      </p:cxnSp>
+      <p:sp>
+        <p:nvSpPr>
+          <p:cNvPr id="142" name="Rectangle 141">
+            <a:extLst>
+              <a:ext uri="{FF2B5EF4-FFF2-40B4-BE49-F238E27FC236}">
+                <a16:creationId xmlns:a16="http://schemas.microsoft.com/office/drawing/2014/main" id="{BEDDD623-72A5-95D5-E1ED-C0899B9D5025}"/>
+              </a:ext>
+            </a:extLst>
+          </p:cNvPr>
+          <p:cNvSpPr/>
+          <p:nvPr/>
+        </p:nvSpPr>
+        <p:spPr>
+          <a:xfrm>
+            <a:off x="1571333" y="9819829"/>
+            <a:ext cx="2080239" cy="712495"/>
+          </a:xfrm>
+          <a:prstGeom prst="rect">
+            <a:avLst/>
+          </a:prstGeom>
+        </p:spPr>
+        <p:style>
+          <a:lnRef idx="2">
+            <a:schemeClr val="dk1">
+              <a:shade val="15000"/>
+            </a:schemeClr>
+          </a:lnRef>
+          <a:fillRef idx="1">
+            <a:schemeClr val="dk1"/>
+          </a:fillRef>
+          <a:effectRef idx="0">
+            <a:schemeClr val="dk1"/>
+          </a:effectRef>
+          <a:fontRef idx="minor">
+            <a:schemeClr val="lt1"/>
+          </a:fontRef>
+        </p:style>
+        <p:txBody>
+          <a:bodyPr rtlCol="0" anchor="ctr"/>
+          <a:lstStyle/>
+          <a:p>
+            <a:pPr algn="ctr"/>
+            <a:r>
+              <a:rPr lang="el-GR" dirty="0"/>
+              <a:t>Δ</a:t>
+            </a:r>
+            <a:r>
+              <a:rPr lang="en-US" dirty="0"/>
+              <a:t>a1=na1-a1</a:t>
+            </a:r>
+          </a:p>
+          <a:p>
+            <a:pPr algn="ctr"/>
+            <a:r>
+              <a:rPr lang="el-GR" dirty="0"/>
+              <a:t>Δ</a:t>
+            </a:r>
+            <a:r>
+              <a:rPr lang="en-US" dirty="0"/>
+              <a:t>a2=na2-a2</a:t>
+            </a:r>
+          </a:p>
+        </p:txBody>
+      </p:sp>
+      <p:sp>
+        <p:nvSpPr>
+          <p:cNvPr id="145" name="TextBox 144">
+            <a:extLst>
+              <a:ext uri="{FF2B5EF4-FFF2-40B4-BE49-F238E27FC236}">
+                <a16:creationId xmlns:a16="http://schemas.microsoft.com/office/drawing/2014/main" id="{08D441DD-E13B-8E53-FB96-419E4A1B6857}"/>
+              </a:ext>
+            </a:extLst>
+          </p:cNvPr>
+          <p:cNvSpPr txBox="1"/>
+          <p:nvPr/>
+        </p:nvSpPr>
+        <p:spPr>
+          <a:xfrm>
+            <a:off x="1959500" y="7160639"/>
+            <a:ext cx="771365" cy="369332"/>
+          </a:xfrm>
+          <a:prstGeom prst="rect">
+            <a:avLst/>
+          </a:prstGeom>
+          <a:noFill/>
+        </p:spPr>
+        <p:txBody>
+          <a:bodyPr wrap="square" rtlCol="0">
+            <a:spAutoFit/>
+          </a:bodyPr>
+          <a:lstStyle/>
+          <a:p>
+            <a:r>
+              <a:rPr lang="fa-IR" dirty="0"/>
+              <a:t>نادرست</a:t>
+            </a:r>
+            <a:endParaRPr lang="en-US" dirty="0"/>
+          </a:p>
+        </p:txBody>
+      </p:sp>
+      <p:sp>
+        <p:nvSpPr>
+          <p:cNvPr id="146" name="TextBox 145">
+            <a:extLst>
+              <a:ext uri="{FF2B5EF4-FFF2-40B4-BE49-F238E27FC236}">
+                <a16:creationId xmlns:a16="http://schemas.microsoft.com/office/drawing/2014/main" id="{E38057AC-570D-D872-5660-661355BF6FBD}"/>
+              </a:ext>
+            </a:extLst>
+          </p:cNvPr>
+          <p:cNvSpPr txBox="1"/>
+          <p:nvPr/>
+        </p:nvSpPr>
+        <p:spPr>
+          <a:xfrm>
+            <a:off x="3156309" y="6627196"/>
+            <a:ext cx="662361" cy="369332"/>
+          </a:xfrm>
+          <a:prstGeom prst="rect">
+            <a:avLst/>
+          </a:prstGeom>
+          <a:noFill/>
+        </p:spPr>
+        <p:txBody>
+          <a:bodyPr wrap="none" rtlCol="0">
+            <a:spAutoFit/>
+          </a:bodyPr>
+          <a:lstStyle/>
+          <a:p>
+            <a:r>
+              <a:rPr lang="fa-IR" dirty="0"/>
+              <a:t>درست</a:t>
+            </a:r>
+            <a:endParaRPr lang="en-US" dirty="0"/>
+          </a:p>
+        </p:txBody>
+      </p:sp>
+      <p:sp>
+        <p:nvSpPr>
+          <p:cNvPr id="147" name="TextBox 146">
+            <a:extLst>
+              <a:ext uri="{FF2B5EF4-FFF2-40B4-BE49-F238E27FC236}">
+                <a16:creationId xmlns:a16="http://schemas.microsoft.com/office/drawing/2014/main" id="{5FAFB4C4-70C9-F4D8-BC33-7323F8DBB126}"/>
+              </a:ext>
+            </a:extLst>
+          </p:cNvPr>
+          <p:cNvSpPr txBox="1"/>
+          <p:nvPr/>
+        </p:nvSpPr>
+        <p:spPr>
+          <a:xfrm>
+            <a:off x="5900380" y="7705298"/>
+            <a:ext cx="771365" cy="369332"/>
+          </a:xfrm>
+          <a:prstGeom prst="rect">
+            <a:avLst/>
+          </a:prstGeom>
+          <a:noFill/>
+        </p:spPr>
+        <p:txBody>
+          <a:bodyPr wrap="none" rtlCol="0">
+            <a:spAutoFit/>
+          </a:bodyPr>
+          <a:lstStyle/>
+          <a:p>
+            <a:r>
+              <a:rPr lang="fa-IR" dirty="0"/>
+              <a:t>نادرست</a:t>
+            </a:r>
+            <a:endParaRPr lang="en-US" dirty="0"/>
+          </a:p>
+        </p:txBody>
+      </p:sp>
+      <p:sp>
+        <p:nvSpPr>
+          <p:cNvPr id="148" name="TextBox 147">
+            <a:extLst>
+              <a:ext uri="{FF2B5EF4-FFF2-40B4-BE49-F238E27FC236}">
+                <a16:creationId xmlns:a16="http://schemas.microsoft.com/office/drawing/2014/main" id="{7FDEDF3B-E6A4-62F7-6CF5-93C4820CB5F1}"/>
+              </a:ext>
+            </a:extLst>
+          </p:cNvPr>
+          <p:cNvSpPr txBox="1"/>
+          <p:nvPr/>
+        </p:nvSpPr>
+        <p:spPr>
+          <a:xfrm>
+            <a:off x="3777654" y="7195957"/>
+            <a:ext cx="662361" cy="369332"/>
+          </a:xfrm>
+          <a:prstGeom prst="rect">
+            <a:avLst/>
+          </a:prstGeom>
+          <a:noFill/>
+        </p:spPr>
+        <p:txBody>
+          <a:bodyPr wrap="none" rtlCol="0">
+            <a:spAutoFit/>
+          </a:bodyPr>
+          <a:lstStyle/>
+          <a:p>
+            <a:r>
+              <a:rPr lang="fa-IR" dirty="0"/>
+              <a:t>درست</a:t>
+            </a:r>
+            <a:endParaRPr lang="en-US" dirty="0"/>
+          </a:p>
+        </p:txBody>
+      </p:sp>
+      <p:sp>
+        <p:nvSpPr>
+          <p:cNvPr id="151" name="Diamond 150">
+            <a:extLst>
+              <a:ext uri="{FF2B5EF4-FFF2-40B4-BE49-F238E27FC236}">
+                <a16:creationId xmlns:a16="http://schemas.microsoft.com/office/drawing/2014/main" id="{78491506-529C-BD95-4F20-61477070D02E}"/>
+              </a:ext>
+            </a:extLst>
+          </p:cNvPr>
+          <p:cNvSpPr/>
+          <p:nvPr/>
+        </p:nvSpPr>
+        <p:spPr>
+          <a:xfrm>
+            <a:off x="4288710" y="9718627"/>
+            <a:ext cx="2383036" cy="809389"/>
+          </a:xfrm>
+          <a:prstGeom prst="diamond">
+            <a:avLst/>
+          </a:prstGeom>
+        </p:spPr>
+        <p:style>
+          <a:lnRef idx="2">
+            <a:schemeClr val="dk1">
+              <a:shade val="15000"/>
+            </a:schemeClr>
+          </a:lnRef>
+          <a:fillRef idx="1">
+            <a:schemeClr val="dk1"/>
+          </a:fillRef>
+          <a:effectRef idx="0">
+            <a:schemeClr val="dk1"/>
+          </a:effectRef>
+          <a:fontRef idx="minor">
+            <a:schemeClr val="lt1"/>
+          </a:fontRef>
+        </p:style>
+        <p:txBody>
+          <a:bodyPr rtlCol="0" anchor="ctr"/>
+          <a:lstStyle/>
+          <a:p>
+            <a:pPr algn="ctr"/>
+            <a:r>
+              <a:rPr lang="el-GR" dirty="0"/>
+              <a:t>Δ</a:t>
+            </a:r>
+            <a:r>
+              <a:rPr lang="en-US" dirty="0"/>
+              <a:t>a1&gt;</a:t>
+            </a:r>
+            <a:r>
+              <a:rPr lang="el-GR" dirty="0"/>
+              <a:t> Δ</a:t>
+            </a:r>
+            <a:r>
+              <a:rPr lang="en-US" dirty="0"/>
+              <a:t>a2</a:t>
+            </a:r>
+          </a:p>
+        </p:txBody>
+      </p:sp>
+      <p:cxnSp>
+        <p:nvCxnSpPr>
+          <p:cNvPr id="155" name="Straight Arrow Connector 154">
+            <a:extLst>
+              <a:ext uri="{FF2B5EF4-FFF2-40B4-BE49-F238E27FC236}">
+                <a16:creationId xmlns:a16="http://schemas.microsoft.com/office/drawing/2014/main" id="{D48C682C-098F-987E-94CA-65DB38A6EF45}"/>
+              </a:ext>
+            </a:extLst>
+          </p:cNvPr>
+          <p:cNvCxnSpPr>
+            <a:cxnSpLocks/>
+            <a:stCxn id="142" idx="3"/>
+            <a:endCxn id="151" idx="1"/>
+          </p:cNvCxnSpPr>
+          <p:nvPr/>
+        </p:nvCxnSpPr>
+        <p:spPr>
+          <a:xfrm flipV="1">
+            <a:off x="3651572" y="10123322"/>
+            <a:ext cx="637138" cy="52755"/>
+          </a:xfrm>
+          <a:prstGeom prst="straightConnector1">
+            <a:avLst/>
+          </a:prstGeom>
+          <a:ln>
+            <a:tailEnd type="triangle"/>
+          </a:ln>
+        </p:spPr>
+        <p:style>
+          <a:lnRef idx="2">
+            <a:schemeClr val="accent1"/>
+          </a:lnRef>
+          <a:fillRef idx="0">
+            <a:schemeClr val="accent1"/>
+          </a:fillRef>
+          <a:effectRef idx="1">
+            <a:schemeClr val="accent1"/>
+          </a:effectRef>
+          <a:fontRef idx="minor">
+            <a:schemeClr val="tx1"/>
+          </a:fontRef>
+        </p:style>
+      </p:cxnSp>
+      <p:sp>
+        <p:nvSpPr>
+          <p:cNvPr id="168" name="Flowchart: Document 167">
+            <a:extLst>
+              <a:ext uri="{FF2B5EF4-FFF2-40B4-BE49-F238E27FC236}">
+                <a16:creationId xmlns:a16="http://schemas.microsoft.com/office/drawing/2014/main" id="{F057C612-0611-674A-4CED-4F33006B181E}"/>
+              </a:ext>
+            </a:extLst>
+          </p:cNvPr>
+          <p:cNvSpPr/>
+          <p:nvPr/>
+        </p:nvSpPr>
+        <p:spPr>
+          <a:xfrm>
+            <a:off x="3318873" y="10769010"/>
+            <a:ext cx="1302536" cy="579120"/>
+          </a:xfrm>
+          <a:prstGeom prst="flowChartDocument">
+            <a:avLst/>
+          </a:prstGeom>
+        </p:spPr>
+        <p:style>
+          <a:lnRef idx="2">
+            <a:schemeClr val="dk1">
+              <a:shade val="15000"/>
+            </a:schemeClr>
+          </a:lnRef>
+          <a:fillRef idx="1">
+            <a:schemeClr val="dk1"/>
+          </a:fillRef>
+          <a:effectRef idx="0">
+            <a:schemeClr val="dk1"/>
+          </a:effectRef>
+          <a:fontRef idx="minor">
+            <a:schemeClr val="lt1"/>
+          </a:fontRef>
+        </p:style>
+        <p:txBody>
+          <a:bodyPr rtlCol="0" anchor="ctr"/>
+          <a:lstStyle/>
+          <a:p>
+            <a:pPr algn="ctr"/>
+            <a:r>
+              <a:rPr lang="en-US" dirty="0"/>
+              <a:t>a1=na1</a:t>
+            </a:r>
+          </a:p>
+        </p:txBody>
+      </p:sp>
+      <p:sp>
+        <p:nvSpPr>
+          <p:cNvPr id="169" name="Flowchart: Document 168">
+            <a:extLst>
+              <a:ext uri="{FF2B5EF4-FFF2-40B4-BE49-F238E27FC236}">
+                <a16:creationId xmlns:a16="http://schemas.microsoft.com/office/drawing/2014/main" id="{B8830621-EFC0-73D6-8175-FD3CDEA06015}"/>
+              </a:ext>
+            </a:extLst>
+          </p:cNvPr>
+          <p:cNvSpPr/>
+          <p:nvPr/>
+        </p:nvSpPr>
+        <p:spPr>
+          <a:xfrm>
+            <a:off x="3318873" y="11547559"/>
+            <a:ext cx="1302536" cy="579120"/>
+          </a:xfrm>
+          <a:prstGeom prst="flowChartDocument">
+            <a:avLst/>
+          </a:prstGeom>
+        </p:spPr>
+        <p:style>
+          <a:lnRef idx="2">
+            <a:schemeClr val="dk1">
+              <a:shade val="15000"/>
+            </a:schemeClr>
+          </a:lnRef>
+          <a:fillRef idx="1">
+            <a:schemeClr val="dk1"/>
+          </a:fillRef>
+          <a:effectRef idx="0">
+            <a:schemeClr val="dk1"/>
+          </a:effectRef>
+          <a:fontRef idx="minor">
+            <a:schemeClr val="lt1"/>
+          </a:fontRef>
+        </p:style>
+        <p:txBody>
+          <a:bodyPr rtlCol="0" anchor="ctr"/>
+          <a:lstStyle/>
+          <a:p>
+            <a:pPr algn="ctr"/>
+            <a:r>
+              <a:rPr lang="en-US" dirty="0"/>
+              <a:t>a2=na2</a:t>
+            </a:r>
+          </a:p>
+        </p:txBody>
+      </p:sp>
+      <p:cxnSp>
+        <p:nvCxnSpPr>
+          <p:cNvPr id="171" name="Connector: Elbow 170">
+            <a:extLst>
+              <a:ext uri="{FF2B5EF4-FFF2-40B4-BE49-F238E27FC236}">
+                <a16:creationId xmlns:a16="http://schemas.microsoft.com/office/drawing/2014/main" id="{427B1665-ACAC-5224-8F51-E817A7058362}"/>
+              </a:ext>
+            </a:extLst>
+          </p:cNvPr>
+          <p:cNvCxnSpPr>
+            <a:stCxn id="151" idx="2"/>
+            <a:endCxn id="168" idx="3"/>
+          </p:cNvCxnSpPr>
+          <p:nvPr/>
+        </p:nvCxnSpPr>
+        <p:spPr>
+          <a:xfrm rot="5400000">
+            <a:off x="4785542" y="10363884"/>
+            <a:ext cx="530554" cy="858819"/>
+          </a:xfrm>
+          <a:prstGeom prst="bentConnector2">
+            <a:avLst/>
+          </a:prstGeom>
+          <a:ln>
+            <a:tailEnd type="triangle"/>
+          </a:ln>
+        </p:spPr>
+        <p:style>
+          <a:lnRef idx="2">
+            <a:schemeClr val="accent1"/>
+          </a:lnRef>
+          <a:fillRef idx="0">
+            <a:schemeClr val="accent1"/>
+          </a:fillRef>
+          <a:effectRef idx="1">
+            <a:schemeClr val="accent1"/>
+          </a:effectRef>
+          <a:fontRef idx="minor">
+            <a:schemeClr val="tx1"/>
+          </a:fontRef>
+        </p:style>
+      </p:cxnSp>
+      <p:cxnSp>
+        <p:nvCxnSpPr>
+          <p:cNvPr id="173" name="Connector: Elbow 172">
+            <a:extLst>
+              <a:ext uri="{FF2B5EF4-FFF2-40B4-BE49-F238E27FC236}">
+                <a16:creationId xmlns:a16="http://schemas.microsoft.com/office/drawing/2014/main" id="{F257B7B8-796D-CDCD-9A72-432724B2B4A3}"/>
+              </a:ext>
+            </a:extLst>
+          </p:cNvPr>
+          <p:cNvCxnSpPr>
+            <a:stCxn id="151" idx="3"/>
+            <a:endCxn id="169" idx="3"/>
+          </p:cNvCxnSpPr>
+          <p:nvPr/>
+        </p:nvCxnSpPr>
+        <p:spPr>
+          <a:xfrm flipH="1">
+            <a:off x="4621409" y="10123322"/>
+            <a:ext cx="2050337" cy="1713797"/>
+          </a:xfrm>
+          <a:prstGeom prst="bentConnector3">
+            <a:avLst>
+              <a:gd name="adj1" fmla="val -5203"/>
+            </a:avLst>
+          </a:prstGeom>
+          <a:ln>
+            <a:tailEnd type="triangle"/>
+          </a:ln>
+        </p:spPr>
+        <p:style>
+          <a:lnRef idx="2">
+            <a:schemeClr val="accent1"/>
+          </a:lnRef>
+          <a:fillRef idx="0">
+            <a:schemeClr val="accent1"/>
+          </a:fillRef>
+          <a:effectRef idx="1">
+            <a:schemeClr val="accent1"/>
+          </a:effectRef>
+          <a:fontRef idx="minor">
+            <a:schemeClr val="tx1"/>
+          </a:fontRef>
+        </p:style>
+      </p:cxnSp>
+      <p:sp>
+        <p:nvSpPr>
+          <p:cNvPr id="175" name="TextBox 174">
+            <a:extLst>
+              <a:ext uri="{FF2B5EF4-FFF2-40B4-BE49-F238E27FC236}">
+                <a16:creationId xmlns:a16="http://schemas.microsoft.com/office/drawing/2014/main" id="{CD3595CA-EBEB-57C2-0DDF-3B8B3B4483E7}"/>
+              </a:ext>
+            </a:extLst>
+          </p:cNvPr>
+          <p:cNvSpPr txBox="1"/>
+          <p:nvPr/>
+        </p:nvSpPr>
+        <p:spPr>
+          <a:xfrm>
+            <a:off x="4621409" y="10695899"/>
+            <a:ext cx="771365" cy="369332"/>
+          </a:xfrm>
+          <a:prstGeom prst="rect">
+            <a:avLst/>
+          </a:prstGeom>
+          <a:noFill/>
+        </p:spPr>
+        <p:txBody>
+          <a:bodyPr wrap="square" rtlCol="0">
+            <a:spAutoFit/>
+          </a:bodyPr>
+          <a:lstStyle/>
+          <a:p>
+            <a:r>
+              <a:rPr lang="fa-IR" dirty="0"/>
+              <a:t>نادرست</a:t>
+            </a:r>
+            <a:endParaRPr lang="en-US" dirty="0"/>
+          </a:p>
+        </p:txBody>
+      </p:sp>
+      <p:sp>
+        <p:nvSpPr>
+          <p:cNvPr id="176" name="TextBox 175">
+            <a:extLst>
+              <a:ext uri="{FF2B5EF4-FFF2-40B4-BE49-F238E27FC236}">
+                <a16:creationId xmlns:a16="http://schemas.microsoft.com/office/drawing/2014/main" id="{DE096465-FA8D-9777-D31D-FB977E33EC48}"/>
+              </a:ext>
+            </a:extLst>
+          </p:cNvPr>
+          <p:cNvSpPr txBox="1"/>
+          <p:nvPr/>
+        </p:nvSpPr>
+        <p:spPr>
+          <a:xfrm>
+            <a:off x="5648856" y="11543688"/>
+            <a:ext cx="662361" cy="369332"/>
+          </a:xfrm>
+          <a:prstGeom prst="rect">
+            <a:avLst/>
+          </a:prstGeom>
+          <a:noFill/>
+        </p:spPr>
+        <p:txBody>
+          <a:bodyPr wrap="none" rtlCol="0">
+            <a:spAutoFit/>
+          </a:bodyPr>
+          <a:lstStyle/>
+          <a:p>
+            <a:r>
+              <a:rPr lang="fa-IR" dirty="0"/>
+              <a:t>درست</a:t>
+            </a:r>
+            <a:endParaRPr lang="en-US" dirty="0"/>
+          </a:p>
+        </p:txBody>
+      </p:sp>
+      <p:cxnSp>
+        <p:nvCxnSpPr>
+          <p:cNvPr id="180" name="Connector: Elbow 179">
+            <a:extLst>
+              <a:ext uri="{FF2B5EF4-FFF2-40B4-BE49-F238E27FC236}">
+                <a16:creationId xmlns:a16="http://schemas.microsoft.com/office/drawing/2014/main" id="{9A9320FC-40FC-4B0F-F3A9-97A60FF66B61}"/>
+              </a:ext>
+            </a:extLst>
+          </p:cNvPr>
+          <p:cNvCxnSpPr>
+            <a:stCxn id="168" idx="1"/>
+            <a:endCxn id="31" idx="3"/>
+          </p:cNvCxnSpPr>
+          <p:nvPr/>
+        </p:nvCxnSpPr>
+        <p:spPr>
+          <a:xfrm rot="10800000">
+            <a:off x="1611285" y="10943650"/>
+            <a:ext cx="1707588" cy="114921"/>
+          </a:xfrm>
+          <a:prstGeom prst="bentConnector3">
+            <a:avLst/>
+          </a:prstGeom>
+          <a:ln>
+            <a:tailEnd type="triangle"/>
+          </a:ln>
+        </p:spPr>
+        <p:style>
+          <a:lnRef idx="2">
+            <a:schemeClr val="accent1"/>
+          </a:lnRef>
+          <a:fillRef idx="0">
+            <a:schemeClr val="accent1"/>
+          </a:fillRef>
+          <a:effectRef idx="1">
+            <a:schemeClr val="accent1"/>
+          </a:effectRef>
+          <a:fontRef idx="minor">
+            <a:schemeClr val="tx1"/>
+          </a:fontRef>
+        </p:style>
+      </p:cxnSp>
+      <p:cxnSp>
+        <p:nvCxnSpPr>
+          <p:cNvPr id="182" name="Connector: Elbow 181">
+            <a:extLst>
+              <a:ext uri="{FF2B5EF4-FFF2-40B4-BE49-F238E27FC236}">
+                <a16:creationId xmlns:a16="http://schemas.microsoft.com/office/drawing/2014/main" id="{4420D067-7685-4B48-5F07-F11511954B2A}"/>
+              </a:ext>
+            </a:extLst>
+          </p:cNvPr>
+          <p:cNvCxnSpPr>
+            <a:stCxn id="169" idx="1"/>
+          </p:cNvCxnSpPr>
+          <p:nvPr/>
+        </p:nvCxnSpPr>
+        <p:spPr>
+          <a:xfrm rot="10800000">
+            <a:off x="2730865" y="11086321"/>
+            <a:ext cx="588008" cy="750798"/>
+          </a:xfrm>
+          <a:prstGeom prst="bentConnector2">
+            <a:avLst/>
+          </a:prstGeom>
+        </p:spPr>
+        <p:style>
+          <a:lnRef idx="2">
+            <a:schemeClr val="accent1"/>
+          </a:lnRef>
+          <a:fillRef idx="0">
+            <a:schemeClr val="accent1"/>
+          </a:fillRef>
+          <a:effectRef idx="1">
+            <a:schemeClr val="accent1"/>
+          </a:effectRef>
+          <a:fontRef idx="minor">
+            <a:schemeClr val="tx1"/>
+          </a:fontRef>
+        </p:style>
+      </p:cxnSp>
+      <p:cxnSp>
+        <p:nvCxnSpPr>
+          <p:cNvPr id="186" name="Connector: Elbow 185">
+            <a:extLst>
+              <a:ext uri="{FF2B5EF4-FFF2-40B4-BE49-F238E27FC236}">
+                <a16:creationId xmlns:a16="http://schemas.microsoft.com/office/drawing/2014/main" id="{EB3EB3AA-1479-50E5-F95E-0C055AB4CDF3}"/>
+              </a:ext>
+            </a:extLst>
+          </p:cNvPr>
+          <p:cNvCxnSpPr>
+            <a:stCxn id="122" idx="1"/>
+          </p:cNvCxnSpPr>
+          <p:nvPr/>
+        </p:nvCxnSpPr>
+        <p:spPr>
+          <a:xfrm rot="10800000" flipV="1">
+            <a:off x="3150714" y="7467787"/>
+            <a:ext cx="2078430" cy="2352042"/>
+          </a:xfrm>
+          <a:prstGeom prst="bentConnector2">
+            <a:avLst/>
+          </a:prstGeom>
+          <a:ln w="19050" cap="flat" cmpd="sng" algn="ctr">
+            <a:solidFill>
+              <a:schemeClr val="accent2"/>
+            </a:solidFill>
+            <a:prstDash val="solid"/>
+            <a:round/>
+            <a:headEnd type="none" w="med" len="med"/>
+            <a:tailEnd type="arrow" w="med" len="med"/>
+          </a:ln>
+        </p:spPr>
+        <p:style>
+          <a:lnRef idx="0">
+            <a:scrgbClr r="0" g="0" b="0"/>
+          </a:lnRef>
+          <a:fillRef idx="0">
+            <a:scrgbClr r="0" g="0" b="0"/>
+          </a:fillRef>
+          <a:effectRef idx="0">
+            <a:scrgbClr r="0" g="0" b="0"/>
+          </a:effectRef>
+          <a:fontRef idx="minor">
+            <a:schemeClr val="tx1"/>
+          </a:fontRef>
+        </p:style>
+      </p:cxnSp>
     </p:spTree>
     <p:extLst>
       <p:ext uri="{BB962C8B-B14F-4D97-AF65-F5344CB8AC3E}">
